--- a/presentation/Tutor Agent Presentation.pptx
+++ b/presentation/Tutor Agent Presentation.pptx
@@ -15,6 +15,8 @@
     <p:sldId id="260" r:id="rId10"/>
     <p:sldId id="261" r:id="rId11"/>
     <p:sldId id="262" r:id="rId12"/>
+    <p:sldId id="263" r:id="rId13"/>
+    <p:sldId id="264" r:id="rId14"/>
   </p:sldIdLst>
   <p:sldSz cy="5143500" cx="9144000"/>
   <p:notesSz cx="6858000" cy="9144000"/>
@@ -810,7 +812,7 @@
       </p:grpSpPr>
       <p:sp>
         <p:nvSpPr>
-          <p:cNvPr id="57" name="Google Shape;57;g34008f359eb_0_0:notes"/>
+          <p:cNvPr id="57" name="Google Shape;57;g3402591c667_0_0:notes"/>
           <p:cNvSpPr/>
           <p:nvPr>
             <p:ph idx="2" type="sldImg"/>
@@ -845,7 +847,7 @@
       </p:sp>
       <p:sp>
         <p:nvSpPr>
-          <p:cNvPr id="58" name="Google Shape;58;g34008f359eb_0_0:notes"/>
+          <p:cNvPr id="58" name="Google Shape;58;g3402591c667_0_0:notes"/>
           <p:cNvSpPr txBox="1"/>
           <p:nvPr>
             <p:ph idx="1" type="body"/>
@@ -909,7 +911,7 @@
       </p:grpSpPr>
       <p:sp>
         <p:nvSpPr>
-          <p:cNvPr id="63" name="Google Shape;63;g34008f359eb_0_7:notes"/>
+          <p:cNvPr id="63" name="Google Shape;63;g34008f359eb_0_0:notes"/>
           <p:cNvSpPr/>
           <p:nvPr>
             <p:ph idx="2" type="sldImg"/>
@@ -944,7 +946,7 @@
       </p:sp>
       <p:sp>
         <p:nvSpPr>
-          <p:cNvPr id="64" name="Google Shape;64;g34008f359eb_0_7:notes"/>
+          <p:cNvPr id="64" name="Google Shape;64;g34008f359eb_0_0:notes"/>
           <p:cNvSpPr txBox="1"/>
           <p:nvPr>
             <p:ph idx="1" type="body"/>
@@ -994,7 +996,7 @@
   <p:cSld>
     <p:spTree>
       <p:nvGrpSpPr>
-        <p:cNvPr id="68" name="Shape 68"/>
+        <p:cNvPr id="80" name="Shape 80"/>
         <p:cNvGrpSpPr/>
         <p:nvPr/>
       </p:nvGrpSpPr>
@@ -1008,7 +1010,7 @@
       </p:grpSpPr>
       <p:sp>
         <p:nvSpPr>
-          <p:cNvPr id="69" name="Google Shape;69;g34008f359eb_0_17:notes"/>
+          <p:cNvPr id="81" name="Google Shape;81;g34008f359eb_0_7:notes"/>
           <p:cNvSpPr/>
           <p:nvPr>
             <p:ph idx="2" type="sldImg"/>
@@ -1043,7 +1045,7 @@
       </p:sp>
       <p:sp>
         <p:nvSpPr>
-          <p:cNvPr id="70" name="Google Shape;70;g34008f359eb_0_17:notes"/>
+          <p:cNvPr id="82" name="Google Shape;82;g34008f359eb_0_7:notes"/>
           <p:cNvSpPr txBox="1"/>
           <p:nvPr>
             <p:ph idx="1" type="body"/>
@@ -1093,7 +1095,7 @@
   <p:cSld>
     <p:spTree>
       <p:nvGrpSpPr>
-        <p:cNvPr id="74" name="Shape 74"/>
+        <p:cNvPr id="86" name="Shape 86"/>
         <p:cNvGrpSpPr/>
         <p:nvPr/>
       </p:nvGrpSpPr>
@@ -1107,7 +1109,7 @@
       </p:grpSpPr>
       <p:sp>
         <p:nvSpPr>
-          <p:cNvPr id="75" name="Google Shape;75;g34008f359eb_0_23:notes"/>
+          <p:cNvPr id="87" name="Google Shape;87;g34008f359eb_0_17:notes"/>
           <p:cNvSpPr/>
           <p:nvPr>
             <p:ph idx="2" type="sldImg"/>
@@ -1142,7 +1144,7 @@
       </p:sp>
       <p:sp>
         <p:nvSpPr>
-          <p:cNvPr id="76" name="Google Shape;76;g34008f359eb_0_23:notes"/>
+          <p:cNvPr id="88" name="Google Shape;88;g34008f359eb_0_17:notes"/>
           <p:cNvSpPr txBox="1"/>
           <p:nvPr>
             <p:ph idx="1" type="body"/>
@@ -1192,7 +1194,7 @@
   <p:cSld>
     <p:spTree>
       <p:nvGrpSpPr>
-        <p:cNvPr id="80" name="Shape 80"/>
+        <p:cNvPr id="92" name="Shape 92"/>
         <p:cNvGrpSpPr/>
         <p:nvPr/>
       </p:nvGrpSpPr>
@@ -1206,7 +1208,7 @@
       </p:grpSpPr>
       <p:sp>
         <p:nvSpPr>
-          <p:cNvPr id="81" name="Google Shape;81;g34008f359eb_0_28:notes"/>
+          <p:cNvPr id="93" name="Google Shape;93;g34008f359eb_0_23:notes"/>
           <p:cNvSpPr/>
           <p:nvPr>
             <p:ph idx="2" type="sldImg"/>
@@ -1241,7 +1243,7 @@
       </p:sp>
       <p:sp>
         <p:nvSpPr>
-          <p:cNvPr id="82" name="Google Shape;82;g34008f359eb_0_28:notes"/>
+          <p:cNvPr id="94" name="Google Shape;94;g34008f359eb_0_23:notes"/>
           <p:cNvSpPr txBox="1"/>
           <p:nvPr>
             <p:ph idx="1" type="body"/>
@@ -1291,7 +1293,7 @@
   <p:cSld>
     <p:spTree>
       <p:nvGrpSpPr>
-        <p:cNvPr id="86" name="Shape 86"/>
+        <p:cNvPr id="98" name="Shape 98"/>
         <p:cNvGrpSpPr/>
         <p:nvPr/>
       </p:nvGrpSpPr>
@@ -1305,7 +1307,7 @@
       </p:grpSpPr>
       <p:sp>
         <p:nvSpPr>
-          <p:cNvPr id="87" name="Google Shape;87;g34008f359eb_0_33:notes"/>
+          <p:cNvPr id="99" name="Google Shape;99;g3402591c667_0_5:notes"/>
           <p:cNvSpPr/>
           <p:nvPr>
             <p:ph idx="2" type="sldImg"/>
@@ -1340,7 +1342,205 @@
       </p:sp>
       <p:sp>
         <p:nvSpPr>
-          <p:cNvPr id="88" name="Google Shape;88;g34008f359eb_0_33:notes"/>
+          <p:cNvPr id="100" name="Google Shape;100;g3402591c667_0_5:notes"/>
+          <p:cNvSpPr txBox="1"/>
+          <p:nvPr>
+            <p:ph idx="1" type="body"/>
+          </p:nvPr>
+        </p:nvSpPr>
+        <p:spPr>
+          <a:xfrm>
+            <a:off x="685800" y="4343400"/>
+            <a:ext cx="5486400" cy="4114800"/>
+          </a:xfrm>
+          <a:prstGeom prst="rect">
+            <a:avLst/>
+          </a:prstGeom>
+        </p:spPr>
+        <p:txBody>
+          <a:bodyPr anchorCtr="0" anchor="t" bIns="91425" lIns="91425" spcFirstLastPara="1" rIns="91425" wrap="square" tIns="91425">
+            <a:noAutofit/>
+          </a:bodyPr>
+          <a:lstStyle/>
+          <a:p>
+            <a:pPr indent="0" lvl="0" marL="0" rtl="0" algn="l">
+              <a:spcBef>
+                <a:spcPts val="0"/>
+              </a:spcBef>
+              <a:spcAft>
+                <a:spcPts val="0"/>
+              </a:spcAft>
+              <a:buNone/>
+            </a:pPr>
+            <a:r>
+              <a:t/>
+            </a:r>
+            <a:endParaRPr/>
+          </a:p>
+        </p:txBody>
+      </p:sp>
+    </p:spTree>
+  </p:cSld>
+  <p:clrMapOvr>
+    <a:masterClrMapping/>
+  </p:clrMapOvr>
+</p:notes>
+</file>
+
+<file path=ppt/notesSlides/notesSlide8.xml><?xml version="1.0" encoding="utf-8"?>
+<p:notes xmlns:a="http://schemas.openxmlformats.org/drawingml/2006/main" xmlns:r="http://schemas.openxmlformats.org/officeDocument/2006/relationships" xmlns:mc="http://schemas.openxmlformats.org/markup-compatibility/2006" xmlns:mv="urn:schemas-microsoft-com:mac:vml" xmlns:p="http://schemas.openxmlformats.org/presentationml/2006/main" xmlns:c="http://schemas.openxmlformats.org/drawingml/2006/chart" xmlns:dgm="http://schemas.openxmlformats.org/drawingml/2006/diagram" xmlns:o="urn:schemas-microsoft-com:office:office" xmlns:v="urn:schemas-microsoft-com:vml" xmlns:pvml="urn:schemas-microsoft-com:office:powerpoint" xmlns:com="http://schemas.openxmlformats.org/drawingml/2006/compatibility" xmlns:p14="http://schemas.microsoft.com/office/powerpoint/2010/main" xmlns:p15="http://schemas.microsoft.com/office/powerpoint/2012/main" xmlns:ahyp="http://schemas.microsoft.com/office/drawing/2018/hyperlinkcolor" showMasterPhAnim="0" showMasterSp="0">
+  <p:cSld>
+    <p:spTree>
+      <p:nvGrpSpPr>
+        <p:cNvPr id="104" name="Shape 104"/>
+        <p:cNvGrpSpPr/>
+        <p:nvPr/>
+      </p:nvGrpSpPr>
+      <p:grpSpPr>
+        <a:xfrm>
+          <a:off x="0" y="0"/>
+          <a:ext cx="0" cy="0"/>
+          <a:chOff x="0" y="0"/>
+          <a:chExt cx="0" cy="0"/>
+        </a:xfrm>
+      </p:grpSpPr>
+      <p:sp>
+        <p:nvSpPr>
+          <p:cNvPr id="105" name="Google Shape;105;g34008f359eb_0_33:notes"/>
+          <p:cNvSpPr/>
+          <p:nvPr>
+            <p:ph idx="2" type="sldImg"/>
+          </p:nvPr>
+        </p:nvSpPr>
+        <p:spPr>
+          <a:xfrm>
+            <a:off x="381300" y="685800"/>
+            <a:ext cx="6096000" cy="3429000"/>
+          </a:xfrm>
+          <a:custGeom>
+            <a:rect b="b" l="l" r="r" t="t"/>
+            <a:pathLst>
+              <a:path extrusionOk="0" h="120000" w="120000">
+                <a:moveTo>
+                  <a:pt x="0" y="0"/>
+                </a:moveTo>
+                <a:lnTo>
+                  <a:pt x="120000" y="0"/>
+                </a:lnTo>
+                <a:lnTo>
+                  <a:pt x="120000" y="120000"/>
+                </a:lnTo>
+                <a:lnTo>
+                  <a:pt x="0" y="120000"/>
+                </a:lnTo>
+                <a:close/>
+              </a:path>
+            </a:pathLst>
+          </a:custGeom>
+        </p:spPr>
+      </p:sp>
+      <p:sp>
+        <p:nvSpPr>
+          <p:cNvPr id="106" name="Google Shape;106;g34008f359eb_0_33:notes"/>
+          <p:cNvSpPr txBox="1"/>
+          <p:nvPr>
+            <p:ph idx="1" type="body"/>
+          </p:nvPr>
+        </p:nvSpPr>
+        <p:spPr>
+          <a:xfrm>
+            <a:off x="685800" y="4343400"/>
+            <a:ext cx="5486400" cy="4114800"/>
+          </a:xfrm>
+          <a:prstGeom prst="rect">
+            <a:avLst/>
+          </a:prstGeom>
+        </p:spPr>
+        <p:txBody>
+          <a:bodyPr anchorCtr="0" anchor="t" bIns="91425" lIns="91425" spcFirstLastPara="1" rIns="91425" wrap="square" tIns="91425">
+            <a:noAutofit/>
+          </a:bodyPr>
+          <a:lstStyle/>
+          <a:p>
+            <a:pPr indent="0" lvl="0" marL="0" rtl="0" algn="l">
+              <a:spcBef>
+                <a:spcPts val="0"/>
+              </a:spcBef>
+              <a:spcAft>
+                <a:spcPts val="0"/>
+              </a:spcAft>
+              <a:buNone/>
+            </a:pPr>
+            <a:r>
+              <a:t/>
+            </a:r>
+            <a:endParaRPr/>
+          </a:p>
+        </p:txBody>
+      </p:sp>
+    </p:spTree>
+  </p:cSld>
+  <p:clrMapOvr>
+    <a:masterClrMapping/>
+  </p:clrMapOvr>
+</p:notes>
+</file>
+
+<file path=ppt/notesSlides/notesSlide9.xml><?xml version="1.0" encoding="utf-8"?>
+<p:notes xmlns:a="http://schemas.openxmlformats.org/drawingml/2006/main" xmlns:r="http://schemas.openxmlformats.org/officeDocument/2006/relationships" xmlns:mc="http://schemas.openxmlformats.org/markup-compatibility/2006" xmlns:mv="urn:schemas-microsoft-com:mac:vml" xmlns:p="http://schemas.openxmlformats.org/presentationml/2006/main" xmlns:c="http://schemas.openxmlformats.org/drawingml/2006/chart" xmlns:dgm="http://schemas.openxmlformats.org/drawingml/2006/diagram" xmlns:o="urn:schemas-microsoft-com:office:office" xmlns:v="urn:schemas-microsoft-com:vml" xmlns:pvml="urn:schemas-microsoft-com:office:powerpoint" xmlns:com="http://schemas.openxmlformats.org/drawingml/2006/compatibility" xmlns:p14="http://schemas.microsoft.com/office/powerpoint/2010/main" xmlns:p15="http://schemas.microsoft.com/office/powerpoint/2012/main" xmlns:ahyp="http://schemas.microsoft.com/office/drawing/2018/hyperlinkcolor" showMasterPhAnim="0" showMasterSp="0">
+  <p:cSld>
+    <p:spTree>
+      <p:nvGrpSpPr>
+        <p:cNvPr id="110" name="Shape 110"/>
+        <p:cNvGrpSpPr/>
+        <p:nvPr/>
+      </p:nvGrpSpPr>
+      <p:grpSpPr>
+        <a:xfrm>
+          <a:off x="0" y="0"/>
+          <a:ext cx="0" cy="0"/>
+          <a:chOff x="0" y="0"/>
+          <a:chExt cx="0" cy="0"/>
+        </a:xfrm>
+      </p:grpSpPr>
+      <p:sp>
+        <p:nvSpPr>
+          <p:cNvPr id="111" name="Google Shape;111;g34008f359eb_0_28:notes"/>
+          <p:cNvSpPr/>
+          <p:nvPr>
+            <p:ph idx="2" type="sldImg"/>
+          </p:nvPr>
+        </p:nvSpPr>
+        <p:spPr>
+          <a:xfrm>
+            <a:off x="381300" y="685800"/>
+            <a:ext cx="6096000" cy="3429000"/>
+          </a:xfrm>
+          <a:custGeom>
+            <a:rect b="b" l="l" r="r" t="t"/>
+            <a:pathLst>
+              <a:path extrusionOk="0" h="120000" w="120000">
+                <a:moveTo>
+                  <a:pt x="0" y="0"/>
+                </a:moveTo>
+                <a:lnTo>
+                  <a:pt x="120000" y="0"/>
+                </a:lnTo>
+                <a:lnTo>
+                  <a:pt x="120000" y="120000"/>
+                </a:lnTo>
+                <a:lnTo>
+                  <a:pt x="0" y="120000"/>
+                </a:lnTo>
+                <a:close/>
+              </a:path>
+            </a:pathLst>
+          </a:custGeom>
+        </p:spPr>
+      </p:sp>
+      <p:sp>
+        <p:nvSpPr>
+          <p:cNvPr id="112" name="Google Shape;112;g34008f359eb_0_28:notes"/>
           <p:cNvSpPr txBox="1"/>
           <p:nvPr>
             <p:ph idx="1" type="body"/>
@@ -6222,7 +6422,7 @@
             </a:pPr>
             <a:r>
               <a:rPr lang="en"/>
-              <a:t>AI Agents for Personalized Learning &amp; Tutoring</a:t>
+              <a:t>The idea of the AI Tutor</a:t>
             </a:r>
             <a:endParaRPr/>
           </a:p>
@@ -6239,7 +6439,7 @@
         <p:spPr>
           <a:xfrm>
             <a:off x="311700" y="1152475"/>
-            <a:ext cx="8520600" cy="3416400"/>
+            <a:ext cx="8520600" cy="3680400"/>
           </a:xfrm>
           <a:prstGeom prst="rect">
             <a:avLst/>
@@ -6247,11 +6447,11 @@
         </p:spPr>
         <p:txBody>
           <a:bodyPr anchorCtr="0" anchor="t" bIns="91425" lIns="91425" spcFirstLastPara="1" rIns="91425" wrap="square" tIns="91425">
-            <a:normAutofit fontScale="92500" lnSpcReduction="20000"/>
+            <a:normAutofit fontScale="77500" lnSpcReduction="20000"/>
           </a:bodyPr>
           <a:lstStyle/>
           <a:p>
-            <a:pPr indent="-334327" lvl="0" marL="457200" rtl="0" algn="l">
+            <a:pPr indent="-317182" lvl="0" marL="457200" rtl="0" algn="l">
               <a:spcBef>
                 <a:spcPts val="0"/>
               </a:spcBef>
@@ -6263,20 +6463,24 @@
             </a:pPr>
             <a:r>
               <a:rPr lang="en"/>
-              <a:t>The user reads study guides generated by LLMs and then </a:t>
-            </a:r>
-            <a:r>
-              <a:rPr lang="en"/>
-              <a:t>answer</a:t>
-            </a:r>
-            <a:r>
-              <a:rPr lang="en"/>
-              <a:t> questions to increase their proficiency level for each topic.</a:t>
-            </a:r>
-            <a:endParaRPr/>
-          </a:p>
-          <a:p>
-            <a:pPr indent="-334327" lvl="0" marL="457200" rtl="0" algn="l">
+              <a:t>Mission - Maximize </a:t>
+            </a:r>
+            <a:r>
+              <a:rPr lang="en"/>
+              <a:t>learning</a:t>
+            </a:r>
+            <a:r>
+              <a:rPr lang="en"/>
+              <a:t> through </a:t>
+            </a:r>
+            <a:r>
+              <a:rPr lang="en"/>
+              <a:t>engagement</a:t>
+            </a:r>
+            <a:endParaRPr/>
+          </a:p>
+          <a:p>
+            <a:pPr indent="-317182" lvl="0" marL="457200" rtl="0" algn="l">
               <a:spcBef>
                 <a:spcPts val="0"/>
               </a:spcBef>
@@ -6288,12 +6492,12 @@
             </a:pPr>
             <a:r>
               <a:rPr lang="en"/>
-              <a:t>After reading the study guide generated based on a book in the database, the user will gain access to quiz questions generated based on the study guide</a:t>
-            </a:r>
-            <a:endParaRPr/>
-          </a:p>
-          <a:p>
-            <a:pPr indent="-334327" lvl="0" marL="457200" rtl="0" algn="l">
+              <a:t>Engagement is a two way street, so robust partnership with the tutor is key</a:t>
+            </a:r>
+            <a:endParaRPr/>
+          </a:p>
+          <a:p>
+            <a:pPr indent="-317182" lvl="0" marL="457200" rtl="0" algn="l">
               <a:spcBef>
                 <a:spcPts val="0"/>
               </a:spcBef>
@@ -6305,20 +6509,114 @@
             </a:pPr>
             <a:r>
               <a:rPr lang="en"/>
-              <a:t>To keep quizzes from being </a:t>
-            </a:r>
-            <a:r>
-              <a:rPr lang="en"/>
-              <a:t>boring</a:t>
-            </a:r>
-            <a:r>
-              <a:rPr lang="en"/>
-              <a:t>, we implemented difficulty levels.</a:t>
-            </a:r>
-            <a:endParaRPr/>
-          </a:p>
-          <a:p>
-            <a:pPr indent="-310832" lvl="1" marL="914400" rtl="0" algn="l">
+              <a:t>Generate study guide for a topic, then we can keep updating study guide asynchronously given feedback from other agents</a:t>
+            </a:r>
+            <a:endParaRPr/>
+          </a:p>
+          <a:p>
+            <a:pPr indent="-317182" lvl="0" marL="457200" rtl="0" algn="l">
+              <a:spcBef>
+                <a:spcPts val="0"/>
+              </a:spcBef>
+              <a:spcAft>
+                <a:spcPts val="0"/>
+              </a:spcAft>
+              <a:buSzPct val="100000"/>
+              <a:buChar char="●"/>
+            </a:pPr>
+            <a:r>
+              <a:rPr lang="en"/>
+              <a:t>Make engaging assessments to reinforce learning</a:t>
+            </a:r>
+            <a:endParaRPr/>
+          </a:p>
+          <a:p>
+            <a:pPr indent="-317182" lvl="0" marL="914400" rtl="0" algn="l">
+              <a:spcBef>
+                <a:spcPts val="0"/>
+              </a:spcBef>
+              <a:spcAft>
+                <a:spcPts val="0"/>
+              </a:spcAft>
+              <a:buSzPct val="100000"/>
+              <a:buChar char="●"/>
+            </a:pPr>
+            <a:r>
+              <a:rPr lang="en"/>
+              <a:t>Ask one question at a time</a:t>
+            </a:r>
+            <a:endParaRPr/>
+          </a:p>
+          <a:p>
+            <a:pPr indent="-317182" lvl="0" marL="914400" rtl="0" algn="l">
+              <a:spcBef>
+                <a:spcPts val="0"/>
+              </a:spcBef>
+              <a:spcAft>
+                <a:spcPts val="0"/>
+              </a:spcAft>
+              <a:buSzPct val="100000"/>
+              <a:buChar char="●"/>
+            </a:pPr>
+            <a:r>
+              <a:rPr lang="en"/>
+              <a:t>Level user up when they get questions right so that they feel encouraged to keep going</a:t>
+            </a:r>
+            <a:endParaRPr/>
+          </a:p>
+          <a:p>
+            <a:pPr indent="-317182" lvl="0" marL="914400" rtl="0" algn="l">
+              <a:spcBef>
+                <a:spcPts val="0"/>
+              </a:spcBef>
+              <a:spcAft>
+                <a:spcPts val="0"/>
+              </a:spcAft>
+              <a:buSzPct val="100000"/>
+              <a:buChar char="●"/>
+            </a:pPr>
+            <a:r>
+              <a:rPr lang="en"/>
+              <a:t>Assessment result to be use for updating study guide for the given topic</a:t>
+            </a:r>
+            <a:endParaRPr/>
+          </a:p>
+          <a:p>
+            <a:pPr indent="-317182" lvl="0" marL="914400" rtl="0" algn="l">
+              <a:spcBef>
+                <a:spcPts val="0"/>
+              </a:spcBef>
+              <a:spcAft>
+                <a:spcPts val="0"/>
+              </a:spcAft>
+              <a:buSzPct val="100000"/>
+              <a:buChar char="●"/>
+            </a:pPr>
+            <a:r>
+              <a:rPr lang="en"/>
+              <a:t>As the user is leveling up they will get harder questions to keep them challenged and engaged</a:t>
+            </a:r>
+            <a:endParaRPr/>
+          </a:p>
+          <a:p>
+            <a:pPr indent="-317182" lvl="0" marL="457200" rtl="0" algn="l">
+              <a:spcBef>
+                <a:spcPts val="0"/>
+              </a:spcBef>
+              <a:spcAft>
+                <a:spcPts val="0"/>
+              </a:spcAft>
+              <a:buSzPct val="100000"/>
+              <a:buChar char="●"/>
+            </a:pPr>
+            <a:r>
+              <a:rPr lang="en"/>
+              <a:t>For people who prefer listening for convenience, create audio study guides in podcast format</a:t>
+            </a:r>
+            <a:endParaRPr/>
+          </a:p>
+          <a:p>
+            <a:pPr indent="-297497" lvl="1" marL="914400" rtl="0" algn="l">
               <a:spcBef>
                 <a:spcPts val="0"/>
               </a:spcBef>
@@ -6330,12 +6628,29 @@
             </a:pPr>
             <a:r>
               <a:rPr lang="en"/>
-              <a:t>LLM decides when the user is ready to go the next level as the user is answer questions one by one</a:t>
-            </a:r>
-            <a:endParaRPr/>
-          </a:p>
-          <a:p>
-            <a:pPr indent="-310832" lvl="1" marL="914400" rtl="0" algn="l">
+              <a:t>Tried 2 speakers, but couldn’t find a good example</a:t>
+            </a:r>
+            <a:endParaRPr/>
+          </a:p>
+          <a:p>
+            <a:pPr indent="-317182" lvl="0" marL="457200" rtl="0" algn="l">
+              <a:spcBef>
+                <a:spcPts val="0"/>
+              </a:spcBef>
+              <a:spcAft>
+                <a:spcPts val="0"/>
+              </a:spcAft>
+              <a:buSzPct val="100000"/>
+              <a:buChar char="●"/>
+            </a:pPr>
+            <a:r>
+              <a:rPr lang="en"/>
+              <a:t>Make interactive so that the person can critique the material or quiz questions, can report problems, or get explanations.</a:t>
+            </a:r>
+            <a:endParaRPr/>
+          </a:p>
+          <a:p>
+            <a:pPr indent="-297497" lvl="1" marL="914400" rtl="0" algn="l">
               <a:spcBef>
                 <a:spcPts val="0"/>
               </a:spcBef>
@@ -6347,28 +6662,29 @@
             </a:pPr>
             <a:r>
               <a:rPr lang="en"/>
-              <a:t>Decided to show quiz questions one at a time to keep the user </a:t>
-            </a:r>
-            <a:r>
-              <a:rPr lang="en"/>
-              <a:t>engage</a:t>
-            </a:r>
-            <a:r>
-              <a:rPr lang="en"/>
-              <a:t> and not feeling overwhelmed by many </a:t>
-            </a:r>
-            <a:r>
-              <a:rPr lang="en"/>
-              <a:t>questions</a:t>
-            </a:r>
-            <a:r>
-              <a:rPr lang="en"/>
-              <a:t>.</a:t>
-            </a:r>
-            <a:endParaRPr/>
-          </a:p>
-          <a:p>
-            <a:pPr indent="-334327" lvl="0" marL="457200" rtl="0" algn="l">
+              <a:t>Of these we only got to implement explanations</a:t>
+            </a:r>
+            <a:endParaRPr/>
+          </a:p>
+          <a:p>
+            <a:pPr indent="-297497" lvl="1" marL="914400" rtl="0" algn="l">
+              <a:spcBef>
+                <a:spcPts val="0"/>
+              </a:spcBef>
+              <a:spcAft>
+                <a:spcPts val="0"/>
+              </a:spcAft>
+              <a:buSzPct val="100000"/>
+              <a:buChar char="○"/>
+            </a:pPr>
+            <a:r>
+              <a:rPr lang="en"/>
+              <a:t>Ideally these could also trigger events to update study guide or create better quiz questions</a:t>
+            </a:r>
+            <a:endParaRPr/>
+          </a:p>
+          <a:p>
+            <a:pPr indent="-317182" lvl="0" marL="457200" rtl="0" algn="l">
               <a:spcBef>
                 <a:spcPts val="0"/>
               </a:spcBef>
@@ -6380,12 +6696,12 @@
             </a:pPr>
             <a:r>
               <a:rPr lang="en"/>
-              <a:t>The study progress summary is asynchronously updated by another agent</a:t>
-            </a:r>
-            <a:endParaRPr/>
-          </a:p>
-          <a:p>
-            <a:pPr indent="-334327" lvl="0" marL="457200" rtl="0" algn="l">
+              <a:t>Look for cross subject synergy (not fully implemented)</a:t>
+            </a:r>
+            <a:endParaRPr/>
+          </a:p>
+          <a:p>
+            <a:pPr indent="-317182" lvl="0" marL="457200" rtl="0" algn="l">
               <a:spcBef>
                 <a:spcPts val="0"/>
               </a:spcBef>
@@ -6397,28 +6713,7 @@
             </a:pPr>
             <a:r>
               <a:rPr lang="en"/>
-              <a:t>The study guides are then asynchronously updated based on the the study progress summary</a:t>
-            </a:r>
-            <a:endParaRPr/>
-          </a:p>
-          <a:p>
-            <a:pPr indent="-334327" lvl="0" marL="457200" rtl="0" algn="l">
-              <a:spcBef>
-                <a:spcPts val="0"/>
-              </a:spcBef>
-              <a:spcAft>
-                <a:spcPts val="0"/>
-              </a:spcAft>
-              <a:buSzPct val="100000"/>
-              <a:buChar char="●"/>
-            </a:pPr>
-            <a:r>
-              <a:rPr lang="en"/>
-              <a:t>For user </a:t>
-            </a:r>
-            <a:r>
-              <a:rPr lang="en"/>
-              <a:t>convenience all the same features work if the user wants to listen to a podcast style study guide. The user can switch between podcast styles</a:t>
+              <a:t>Multi user support through agent checkpointing using agent state threads</a:t>
             </a:r>
             <a:endParaRPr/>
           </a:p>
@@ -6483,7 +6778,7 @@
             </a:pPr>
             <a:r>
               <a:rPr lang="en"/>
-              <a:t>Technical Architecture</a:t>
+              <a:t>AI Agents for Personalized Learning &amp; Tutoring</a:t>
             </a:r>
             <a:endParaRPr/>
           </a:p>
@@ -6500,7 +6795,7 @@
         <p:spPr>
           <a:xfrm>
             <a:off x="311700" y="1152475"/>
-            <a:ext cx="8520600" cy="3680400"/>
+            <a:ext cx="8592000" cy="2554800"/>
           </a:xfrm>
           <a:prstGeom prst="rect">
             <a:avLst/>
@@ -6508,198 +6803,885 @@
         </p:spPr>
         <p:txBody>
           <a:bodyPr anchorCtr="0" anchor="t" bIns="91425" lIns="91425" spcFirstLastPara="1" rIns="91425" wrap="square" tIns="91425">
-            <a:normAutofit lnSpcReduction="20000"/>
+            <a:normAutofit fontScale="77500" lnSpcReduction="10000"/>
           </a:bodyPr>
           <a:lstStyle/>
           <a:p>
-            <a:pPr indent="-342900" lvl="0" marL="457200" rtl="0" algn="l">
-              <a:spcBef>
-                <a:spcPts val="0"/>
-              </a:spcBef>
-              <a:spcAft>
-                <a:spcPts val="0"/>
-              </a:spcAft>
-              <a:buSzPts val="1800"/>
+            <a:pPr indent="-317182" lvl="0" marL="457200" rtl="0" algn="l">
+              <a:spcBef>
+                <a:spcPts val="0"/>
+              </a:spcBef>
+              <a:spcAft>
+                <a:spcPts val="0"/>
+              </a:spcAft>
+              <a:buSzPct val="100000"/>
               <a:buChar char="●"/>
             </a:pPr>
             <a:r>
               <a:rPr lang="en"/>
-              <a:t>We are using 2 agents that maintain state(In memory, later in DB).</a:t>
-            </a:r>
-            <a:endParaRPr/>
-          </a:p>
-          <a:p>
-            <a:pPr indent="-317500" lvl="1" marL="914400" rtl="0" algn="l">
-              <a:spcBef>
-                <a:spcPts val="0"/>
-              </a:spcBef>
-              <a:spcAft>
-                <a:spcPts val="0"/>
-              </a:spcAft>
-              <a:buSzPts val="1400"/>
+              <a:t>The user reads study guides generated by LLMs and then </a:t>
+            </a:r>
+            <a:r>
+              <a:rPr lang="en"/>
+              <a:t>answer</a:t>
+            </a:r>
+            <a:r>
+              <a:rPr lang="en"/>
+              <a:t> questions to increase their proficiency level for each topic.</a:t>
+            </a:r>
+            <a:endParaRPr/>
+          </a:p>
+          <a:p>
+            <a:pPr indent="-317182" lvl="0" marL="457200" rtl="0" algn="l">
+              <a:spcBef>
+                <a:spcPts val="0"/>
+              </a:spcBef>
+              <a:spcAft>
+                <a:spcPts val="0"/>
+              </a:spcAft>
+              <a:buSzPct val="100000"/>
+              <a:buChar char="●"/>
+            </a:pPr>
+            <a:r>
+              <a:rPr lang="en"/>
+              <a:t>After reading the study guide generated based on a book in the database, the user will gain access to quiz questions generated based on the study guide</a:t>
+            </a:r>
+            <a:endParaRPr/>
+          </a:p>
+          <a:p>
+            <a:pPr indent="-317182" lvl="0" marL="457200" rtl="0" algn="l">
+              <a:spcBef>
+                <a:spcPts val="0"/>
+              </a:spcBef>
+              <a:spcAft>
+                <a:spcPts val="0"/>
+              </a:spcAft>
+              <a:buSzPct val="100000"/>
+              <a:buChar char="●"/>
+            </a:pPr>
+            <a:r>
+              <a:rPr lang="en"/>
+              <a:t>To keep quizzes from being </a:t>
+            </a:r>
+            <a:r>
+              <a:rPr lang="en"/>
+              <a:t>boring</a:t>
+            </a:r>
+            <a:r>
+              <a:rPr lang="en"/>
+              <a:t>, we implemented difficulty levels</a:t>
+            </a:r>
+            <a:endParaRPr/>
+          </a:p>
+          <a:p>
+            <a:pPr indent="-297497" lvl="1" marL="914400" rtl="0" algn="l">
+              <a:spcBef>
+                <a:spcPts val="0"/>
+              </a:spcBef>
+              <a:spcAft>
+                <a:spcPts val="0"/>
+              </a:spcAft>
+              <a:buSzPct val="100000"/>
               <a:buChar char="○"/>
             </a:pPr>
             <a:r>
               <a:rPr lang="en"/>
-              <a:t>The Study Guide Supervisor keeps all the state</a:t>
-            </a:r>
-            <a:endParaRPr/>
-          </a:p>
-          <a:p>
-            <a:pPr indent="-317500" lvl="1" marL="914400" rtl="0" algn="l">
-              <a:spcBef>
-                <a:spcPts val="0"/>
-              </a:spcBef>
-              <a:spcAft>
-                <a:spcPts val="0"/>
-              </a:spcAft>
-              <a:buSzPts val="1400"/>
+              <a:t>LLM decides when the user is ready to go the next level as the user is answer questions one by one</a:t>
+            </a:r>
+            <a:endParaRPr/>
+          </a:p>
+          <a:p>
+            <a:pPr indent="-297497" lvl="1" marL="914400" rtl="0" algn="l">
+              <a:spcBef>
+                <a:spcPts val="0"/>
+              </a:spcBef>
+              <a:spcAft>
+                <a:spcPts val="0"/>
+              </a:spcAft>
+              <a:buSzPct val="100000"/>
               <a:buChar char="○"/>
             </a:pPr>
             <a:r>
               <a:rPr lang="en"/>
-              <a:t>The Study Progress supervisor maintains a similar mapping, but fewer fields</a:t>
-            </a:r>
-            <a:endParaRPr/>
-          </a:p>
-          <a:p>
-            <a:pPr indent="-317500" lvl="1" marL="914400" rtl="0" algn="l">
-              <a:spcBef>
-                <a:spcPts val="0"/>
-              </a:spcBef>
-              <a:spcAft>
-                <a:spcPts val="0"/>
-              </a:spcAft>
-              <a:buSzPts val="1400"/>
-              <a:buChar char="○"/>
-            </a:pPr>
-            <a:r>
-              <a:rPr lang="en"/>
-              <a:t>Both support multiple users where each user is assigned a different thread</a:t>
-            </a:r>
-            <a:endParaRPr/>
-          </a:p>
-          <a:p>
-            <a:pPr indent="-342900" lvl="0" marL="457200" rtl="0" algn="l">
-              <a:spcBef>
-                <a:spcPts val="0"/>
-              </a:spcBef>
-              <a:spcAft>
-                <a:spcPts val="0"/>
-              </a:spcAft>
-              <a:buSzPts val="1800"/>
+              <a:t>Decided to show quiz questions one at a time to keep the user </a:t>
+            </a:r>
+            <a:r>
+              <a:rPr lang="en"/>
+              <a:t>engage</a:t>
+            </a:r>
+            <a:r>
+              <a:rPr lang="en"/>
+              <a:t> and not feeling overwhelmed by many </a:t>
+            </a:r>
+            <a:r>
+              <a:rPr lang="en"/>
+              <a:t>questions</a:t>
+            </a:r>
+            <a:endParaRPr/>
+          </a:p>
+          <a:p>
+            <a:pPr indent="-317182" lvl="0" marL="457200" rtl="0" algn="l">
+              <a:spcBef>
+                <a:spcPts val="0"/>
+              </a:spcBef>
+              <a:spcAft>
+                <a:spcPts val="0"/>
+              </a:spcAft>
+              <a:buSzPct val="100000"/>
               <a:buChar char="●"/>
             </a:pPr>
             <a:r>
               <a:rPr lang="en"/>
-              <a:t>1 agent that doesn’t </a:t>
-            </a:r>
-            <a:r>
-              <a:rPr lang="en"/>
-              <a:t>maintain</a:t>
-            </a:r>
-            <a:r>
-              <a:rPr lang="en"/>
-              <a:t> state gets detailed parameters and uses tools to generate study guides</a:t>
-            </a:r>
-            <a:endParaRPr/>
-          </a:p>
-          <a:p>
-            <a:pPr indent="-317500" lvl="1" marL="914400" rtl="0" algn="l">
-              <a:spcBef>
-                <a:spcPts val="0"/>
-              </a:spcBef>
-              <a:spcAft>
-                <a:spcPts val="0"/>
-              </a:spcAft>
-              <a:buSzPts val="1400"/>
-              <a:buChar char="○"/>
-            </a:pPr>
-            <a:r>
-              <a:rPr lang="en"/>
-              <a:t>The study guide generating agent also integrates with a SQL database to pull book chapters from a </a:t>
-            </a:r>
-            <a:r>
-              <a:rPr lang="en"/>
-              <a:t>database(populated from a free book text found online)</a:t>
-            </a:r>
-            <a:endParaRPr/>
-          </a:p>
-          <a:p>
-            <a:pPr indent="-342900" lvl="0" marL="457200" rtl="0" algn="l">
-              <a:spcBef>
-                <a:spcPts val="0"/>
-              </a:spcBef>
-              <a:spcAft>
-                <a:spcPts val="0"/>
-              </a:spcAft>
-              <a:buSzPts val="1800"/>
+              <a:t>The study progress summary is asynchronously updated by another agent</a:t>
+            </a:r>
+            <a:endParaRPr/>
+          </a:p>
+          <a:p>
+            <a:pPr indent="-317182" lvl="0" marL="457200" rtl="0" algn="l">
+              <a:spcBef>
+                <a:spcPts val="0"/>
+              </a:spcBef>
+              <a:spcAft>
+                <a:spcPts val="0"/>
+              </a:spcAft>
+              <a:buSzPct val="100000"/>
               <a:buChar char="●"/>
             </a:pPr>
             <a:r>
               <a:rPr lang="en"/>
-              <a:t>After experimenting with google and openai models, decided to use gpt-4o </a:t>
-            </a:r>
-            <a:endParaRPr/>
-          </a:p>
-          <a:p>
-            <a:pPr indent="-317500" lvl="1" marL="914400" rtl="0" algn="l">
-              <a:spcBef>
-                <a:spcPts val="0"/>
-              </a:spcBef>
-              <a:spcAft>
-                <a:spcPts val="0"/>
-              </a:spcAft>
-              <a:buSzPts val="1400"/>
-              <a:buChar char="○"/>
-            </a:pPr>
-            <a:r>
-              <a:rPr lang="en"/>
-              <a:t>gpt-4o-mini for speed</a:t>
-            </a:r>
-            <a:endParaRPr/>
-          </a:p>
-          <a:p>
-            <a:pPr indent="-342900" lvl="0" marL="457200" rtl="0" algn="l">
-              <a:spcBef>
-                <a:spcPts val="0"/>
-              </a:spcBef>
-              <a:spcAft>
-                <a:spcPts val="0"/>
-              </a:spcAft>
-              <a:buSzPts val="1800"/>
+              <a:t>The study guides are then asynchronously updated based on the the study progress summary</a:t>
+            </a:r>
+            <a:endParaRPr/>
+          </a:p>
+          <a:p>
+            <a:pPr indent="-317182" lvl="0" marL="457200" rtl="0" algn="l">
+              <a:spcBef>
+                <a:spcPts val="0"/>
+              </a:spcBef>
+              <a:spcAft>
+                <a:spcPts val="0"/>
+              </a:spcAft>
+              <a:buSzPct val="100000"/>
               <a:buChar char="●"/>
             </a:pPr>
             <a:r>
               <a:rPr lang="en"/>
-              <a:t>Using LangGraph checkpointer to store agent state and support multiple users</a:t>
-            </a:r>
-            <a:endParaRPr/>
-          </a:p>
-          <a:p>
-            <a:pPr indent="-342900" lvl="0" marL="457200" rtl="0" algn="l">
-              <a:spcBef>
-                <a:spcPts val="0"/>
-              </a:spcBef>
-              <a:spcAft>
-                <a:spcPts val="0"/>
-              </a:spcAft>
-              <a:buSzPts val="1800"/>
-              <a:buChar char="●"/>
-            </a:pPr>
-            <a:r>
-              <a:rPr lang="en"/>
-              <a:t>Using Kafka and a PubSub mechanism similar to Google PubSub for </a:t>
-            </a:r>
-            <a:r>
-              <a:rPr lang="en"/>
-              <a:t>asynchronous</a:t>
-            </a:r>
-            <a:r>
-              <a:rPr lang="en"/>
-              <a:t> messaging between agents. </a:t>
-            </a:r>
-            <a:endParaRPr/>
+              <a:t>For user </a:t>
+            </a:r>
+            <a:r>
+              <a:rPr lang="en"/>
+              <a:t>convenience all the same features work if the user wants to listen to a podcast style study guide. The user can switch between podcast styles</a:t>
+            </a:r>
+            <a:endParaRPr/>
+          </a:p>
+        </p:txBody>
+      </p:sp>
+      <p:sp>
+        <p:nvSpPr>
+          <p:cNvPr id="68" name="Google Shape;68;p15"/>
+          <p:cNvSpPr/>
+          <p:nvPr/>
+        </p:nvSpPr>
+        <p:spPr>
+          <a:xfrm>
+            <a:off x="1137000" y="3707250"/>
+            <a:ext cx="1561500" cy="1257300"/>
+          </a:xfrm>
+          <a:prstGeom prst="roundRect">
+            <a:avLst>
+              <a:gd fmla="val 16667" name="adj"/>
+            </a:avLst>
+          </a:prstGeom>
+          <a:solidFill>
+            <a:schemeClr val="lt2"/>
+          </a:solidFill>
+          <a:ln cap="flat" cmpd="sng" w="9525">
+            <a:solidFill>
+              <a:schemeClr val="dk2"/>
+            </a:solidFill>
+            <a:prstDash val="solid"/>
+            <a:round/>
+            <a:headEnd len="sm" w="sm" type="none"/>
+            <a:tailEnd len="sm" w="sm" type="none"/>
+          </a:ln>
+        </p:spPr>
+        <p:txBody>
+          <a:bodyPr anchorCtr="0" anchor="t" bIns="91425" lIns="91425" spcFirstLastPara="1" rIns="91425" wrap="square" tIns="91425">
+            <a:noAutofit/>
+          </a:bodyPr>
+          <a:lstStyle/>
+          <a:p>
+            <a:pPr indent="0" lvl="0" marL="0" rtl="0" algn="ctr">
+              <a:spcBef>
+                <a:spcPts val="0"/>
+              </a:spcBef>
+              <a:spcAft>
+                <a:spcPts val="0"/>
+              </a:spcAft>
+              <a:buNone/>
+            </a:pPr>
+            <a:r>
+              <a:rPr lang="en" sz="900"/>
+              <a:t>Topics</a:t>
+            </a:r>
+            <a:endParaRPr sz="900"/>
+          </a:p>
+        </p:txBody>
+      </p:sp>
+      <p:sp>
+        <p:nvSpPr>
+          <p:cNvPr id="69" name="Google Shape;69;p15"/>
+          <p:cNvSpPr/>
+          <p:nvPr/>
+        </p:nvSpPr>
+        <p:spPr>
+          <a:xfrm>
+            <a:off x="3700050" y="3707175"/>
+            <a:ext cx="1743900" cy="1257300"/>
+          </a:xfrm>
+          <a:prstGeom prst="roundRect">
+            <a:avLst>
+              <a:gd fmla="val 16667" name="adj"/>
+            </a:avLst>
+          </a:prstGeom>
+          <a:solidFill>
+            <a:schemeClr val="lt2"/>
+          </a:solidFill>
+          <a:ln cap="flat" cmpd="sng" w="9525">
+            <a:solidFill>
+              <a:schemeClr val="dk2"/>
+            </a:solidFill>
+            <a:prstDash val="solid"/>
+            <a:round/>
+            <a:headEnd len="sm" w="sm" type="none"/>
+            <a:tailEnd len="sm" w="sm" type="none"/>
+          </a:ln>
+        </p:spPr>
+        <p:txBody>
+          <a:bodyPr anchorCtr="0" anchor="t" bIns="91425" lIns="91425" spcFirstLastPara="1" rIns="91425" wrap="square" tIns="91425">
+            <a:noAutofit/>
+          </a:bodyPr>
+          <a:lstStyle/>
+          <a:p>
+            <a:pPr indent="0" lvl="0" marL="0" rtl="0" algn="ctr">
+              <a:spcBef>
+                <a:spcPts val="0"/>
+              </a:spcBef>
+              <a:spcAft>
+                <a:spcPts val="0"/>
+              </a:spcAft>
+              <a:buNone/>
+            </a:pPr>
+            <a:r>
+              <a:rPr lang="en" sz="900"/>
+              <a:t>Topic 1 </a:t>
+            </a:r>
+            <a:r>
+              <a:rPr lang="en" sz="900"/>
+              <a:t>Study</a:t>
+            </a:r>
+            <a:r>
+              <a:rPr lang="en" sz="900"/>
+              <a:t> Guide</a:t>
+            </a:r>
+            <a:endParaRPr sz="900"/>
+          </a:p>
+        </p:txBody>
+      </p:sp>
+      <p:sp>
+        <p:nvSpPr>
+          <p:cNvPr id="70" name="Google Shape;70;p15"/>
+          <p:cNvSpPr/>
+          <p:nvPr/>
+        </p:nvSpPr>
+        <p:spPr>
+          <a:xfrm>
+            <a:off x="6383550" y="3707175"/>
+            <a:ext cx="1855500" cy="1257300"/>
+          </a:xfrm>
+          <a:prstGeom prst="roundRect">
+            <a:avLst>
+              <a:gd fmla="val 16667" name="adj"/>
+            </a:avLst>
+          </a:prstGeom>
+          <a:solidFill>
+            <a:schemeClr val="lt2"/>
+          </a:solidFill>
+          <a:ln cap="flat" cmpd="sng" w="9525">
+            <a:solidFill>
+              <a:schemeClr val="dk2"/>
+            </a:solidFill>
+            <a:prstDash val="solid"/>
+            <a:round/>
+            <a:headEnd len="sm" w="sm" type="none"/>
+            <a:tailEnd len="sm" w="sm" type="none"/>
+          </a:ln>
+        </p:spPr>
+        <p:txBody>
+          <a:bodyPr anchorCtr="0" anchor="t" bIns="91425" lIns="91425" spcFirstLastPara="1" rIns="91425" wrap="square" tIns="91425">
+            <a:noAutofit/>
+          </a:bodyPr>
+          <a:lstStyle/>
+          <a:p>
+            <a:pPr indent="0" lvl="0" marL="0" rtl="0" algn="ctr">
+              <a:spcBef>
+                <a:spcPts val="0"/>
+              </a:spcBef>
+              <a:spcAft>
+                <a:spcPts val="0"/>
+              </a:spcAft>
+              <a:buNone/>
+            </a:pPr>
+            <a:r>
+              <a:rPr lang="en" sz="900"/>
+              <a:t>Question 1</a:t>
+            </a:r>
+            <a:endParaRPr sz="900"/>
+          </a:p>
+        </p:txBody>
+      </p:sp>
+      <p:sp>
+        <p:nvSpPr>
+          <p:cNvPr id="71" name="Google Shape;71;p15"/>
+          <p:cNvSpPr txBox="1"/>
+          <p:nvPr/>
+        </p:nvSpPr>
+        <p:spPr>
+          <a:xfrm>
+            <a:off x="6445600" y="3912525"/>
+            <a:ext cx="952800" cy="507900"/>
+          </a:xfrm>
+          <a:prstGeom prst="rect">
+            <a:avLst/>
+          </a:prstGeom>
+          <a:noFill/>
+          <a:ln>
+            <a:noFill/>
+          </a:ln>
+        </p:spPr>
+        <p:txBody>
+          <a:bodyPr anchorCtr="0" anchor="t" bIns="91425" lIns="91425" spcFirstLastPara="1" rIns="91425" wrap="square" tIns="91425">
+            <a:spAutoFit/>
+          </a:bodyPr>
+          <a:lstStyle/>
+          <a:p>
+            <a:pPr indent="0" lvl="0" marL="0" rtl="0" algn="l">
+              <a:spcBef>
+                <a:spcPts val="0"/>
+              </a:spcBef>
+              <a:spcAft>
+                <a:spcPts val="0"/>
+              </a:spcAft>
+              <a:buNone/>
+            </a:pPr>
+            <a:r>
+              <a:rPr lang="en" sz="700">
+                <a:solidFill>
+                  <a:schemeClr val="dk2"/>
+                </a:solidFill>
+              </a:rPr>
+              <a:t>What is 2+2?</a:t>
+            </a:r>
+            <a:endParaRPr sz="700">
+              <a:solidFill>
+                <a:schemeClr val="dk2"/>
+              </a:solidFill>
+            </a:endParaRPr>
+          </a:p>
+          <a:p>
+            <a:pPr indent="-273050" lvl="0" marL="457200" rtl="0" algn="l">
+              <a:spcBef>
+                <a:spcPts val="0"/>
+              </a:spcBef>
+              <a:spcAft>
+                <a:spcPts val="0"/>
+              </a:spcAft>
+              <a:buClr>
+                <a:schemeClr val="dk2"/>
+              </a:buClr>
+              <a:buSzPts val="700"/>
+              <a:buAutoNum type="alphaUcParenR"/>
+            </a:pPr>
+            <a:r>
+              <a:rPr lang="en" sz="700">
+                <a:solidFill>
+                  <a:schemeClr val="dk2"/>
+                </a:solidFill>
+              </a:rPr>
+              <a:t>1</a:t>
+            </a:r>
+            <a:endParaRPr sz="700">
+              <a:solidFill>
+                <a:schemeClr val="dk2"/>
+              </a:solidFill>
+            </a:endParaRPr>
+          </a:p>
+          <a:p>
+            <a:pPr indent="-273050" lvl="0" marL="457200" rtl="0" algn="l">
+              <a:spcBef>
+                <a:spcPts val="0"/>
+              </a:spcBef>
+              <a:spcAft>
+                <a:spcPts val="0"/>
+              </a:spcAft>
+              <a:buClr>
+                <a:schemeClr val="dk2"/>
+              </a:buClr>
+              <a:buSzPts val="700"/>
+              <a:buAutoNum type="alphaUcParenR"/>
+            </a:pPr>
+            <a:r>
+              <a:rPr lang="en" sz="700">
+                <a:solidFill>
+                  <a:schemeClr val="dk2"/>
+                </a:solidFill>
+              </a:rPr>
+              <a:t>…</a:t>
+            </a:r>
+            <a:endParaRPr sz="700">
+              <a:solidFill>
+                <a:schemeClr val="dk2"/>
+              </a:solidFill>
+            </a:endParaRPr>
+          </a:p>
+        </p:txBody>
+      </p:sp>
+      <p:sp>
+        <p:nvSpPr>
+          <p:cNvPr id="72" name="Google Shape;72;p15"/>
+          <p:cNvSpPr/>
+          <p:nvPr/>
+        </p:nvSpPr>
+        <p:spPr>
+          <a:xfrm>
+            <a:off x="6730950" y="4560723"/>
+            <a:ext cx="1160700" cy="260100"/>
+          </a:xfrm>
+          <a:prstGeom prst="roundRect">
+            <a:avLst>
+              <a:gd fmla="val 16667" name="adj"/>
+            </a:avLst>
+          </a:prstGeom>
+          <a:solidFill>
+            <a:srgbClr val="666666"/>
+          </a:solidFill>
+          <a:ln cap="flat" cmpd="sng" w="9525">
+            <a:solidFill>
+              <a:schemeClr val="lt1"/>
+            </a:solidFill>
+            <a:prstDash val="solid"/>
+            <a:round/>
+            <a:headEnd len="sm" w="sm" type="none"/>
+            <a:tailEnd len="sm" w="sm" type="none"/>
+          </a:ln>
+        </p:spPr>
+        <p:txBody>
+          <a:bodyPr anchorCtr="0" anchor="ctr" bIns="91425" lIns="91425" spcFirstLastPara="1" rIns="91425" wrap="square" tIns="91425">
+            <a:noAutofit/>
+          </a:bodyPr>
+          <a:lstStyle/>
+          <a:p>
+            <a:pPr indent="0" lvl="0" marL="0" rtl="0" algn="ctr">
+              <a:spcBef>
+                <a:spcPts val="0"/>
+              </a:spcBef>
+              <a:spcAft>
+                <a:spcPts val="0"/>
+              </a:spcAft>
+              <a:buNone/>
+            </a:pPr>
+            <a:r>
+              <a:rPr lang="en" sz="900">
+                <a:solidFill>
+                  <a:schemeClr val="lt1"/>
+                </a:solidFill>
+              </a:rPr>
+              <a:t>Submit</a:t>
+            </a:r>
+            <a:endParaRPr sz="900">
+              <a:solidFill>
+                <a:schemeClr val="lt1"/>
+              </a:solidFill>
+            </a:endParaRPr>
+          </a:p>
+        </p:txBody>
+      </p:sp>
+      <p:sp>
+        <p:nvSpPr>
+          <p:cNvPr id="73" name="Google Shape;73;p15"/>
+          <p:cNvSpPr txBox="1"/>
+          <p:nvPr/>
+        </p:nvSpPr>
+        <p:spPr>
+          <a:xfrm>
+            <a:off x="3991650" y="4035975"/>
+            <a:ext cx="952800" cy="292500"/>
+          </a:xfrm>
+          <a:prstGeom prst="rect">
+            <a:avLst/>
+          </a:prstGeom>
+          <a:noFill/>
+          <a:ln>
+            <a:noFill/>
+          </a:ln>
+        </p:spPr>
+        <p:txBody>
+          <a:bodyPr anchorCtr="0" anchor="t" bIns="91425" lIns="91425" spcFirstLastPara="1" rIns="91425" wrap="square" tIns="91425">
+            <a:spAutoFit/>
+          </a:bodyPr>
+          <a:lstStyle/>
+          <a:p>
+            <a:pPr indent="0" lvl="0" marL="0" rtl="0" algn="l">
+              <a:spcBef>
+                <a:spcPts val="0"/>
+              </a:spcBef>
+              <a:spcAft>
+                <a:spcPts val="0"/>
+              </a:spcAft>
+              <a:buNone/>
+            </a:pPr>
+            <a:r>
+              <a:rPr lang="en" sz="700">
+                <a:solidFill>
+                  <a:schemeClr val="dk2"/>
+                </a:solidFill>
+              </a:rPr>
+              <a:t>Learning topic 1</a:t>
+            </a:r>
+            <a:endParaRPr sz="700">
+              <a:solidFill>
+                <a:schemeClr val="dk2"/>
+              </a:solidFill>
+            </a:endParaRPr>
+          </a:p>
+        </p:txBody>
+      </p:sp>
+      <p:sp>
+        <p:nvSpPr>
+          <p:cNvPr id="74" name="Google Shape;74;p15"/>
+          <p:cNvSpPr/>
+          <p:nvPr/>
+        </p:nvSpPr>
+        <p:spPr>
+          <a:xfrm>
+            <a:off x="3960675" y="4560723"/>
+            <a:ext cx="1160700" cy="260100"/>
+          </a:xfrm>
+          <a:prstGeom prst="roundRect">
+            <a:avLst>
+              <a:gd fmla="val 16667" name="adj"/>
+            </a:avLst>
+          </a:prstGeom>
+          <a:solidFill>
+            <a:srgbClr val="666666"/>
+          </a:solidFill>
+          <a:ln cap="flat" cmpd="sng" w="9525">
+            <a:solidFill>
+              <a:schemeClr val="lt1"/>
+            </a:solidFill>
+            <a:prstDash val="solid"/>
+            <a:round/>
+            <a:headEnd len="sm" w="sm" type="none"/>
+            <a:tailEnd len="sm" w="sm" type="none"/>
+          </a:ln>
+        </p:spPr>
+        <p:txBody>
+          <a:bodyPr anchorCtr="0" anchor="ctr" bIns="91425" lIns="91425" spcFirstLastPara="1" rIns="91425" wrap="square" tIns="91425">
+            <a:noAutofit/>
+          </a:bodyPr>
+          <a:lstStyle/>
+          <a:p>
+            <a:pPr indent="0" lvl="0" marL="0" rtl="0" algn="ctr">
+              <a:spcBef>
+                <a:spcPts val="0"/>
+              </a:spcBef>
+              <a:spcAft>
+                <a:spcPts val="0"/>
+              </a:spcAft>
+              <a:buNone/>
+            </a:pPr>
+            <a:r>
+              <a:rPr lang="en" sz="900">
+                <a:solidFill>
+                  <a:schemeClr val="lt1"/>
+                </a:solidFill>
+              </a:rPr>
+              <a:t>Take Quiz</a:t>
+            </a:r>
+            <a:endParaRPr sz="900">
+              <a:solidFill>
+                <a:schemeClr val="lt1"/>
+              </a:solidFill>
+            </a:endParaRPr>
+          </a:p>
+        </p:txBody>
+      </p:sp>
+      <p:sp>
+        <p:nvSpPr>
+          <p:cNvPr id="75" name="Google Shape;75;p15"/>
+          <p:cNvSpPr/>
+          <p:nvPr/>
+        </p:nvSpPr>
+        <p:spPr>
+          <a:xfrm>
+            <a:off x="1241250" y="4072675"/>
+            <a:ext cx="1353000" cy="212400"/>
+          </a:xfrm>
+          <a:prstGeom prst="roundRect">
+            <a:avLst>
+              <a:gd fmla="val 16667" name="adj"/>
+            </a:avLst>
+          </a:prstGeom>
+          <a:solidFill>
+            <a:schemeClr val="lt2"/>
+          </a:solidFill>
+          <a:ln cap="flat" cmpd="sng" w="9525">
+            <a:solidFill>
+              <a:schemeClr val="dk2"/>
+            </a:solidFill>
+            <a:prstDash val="solid"/>
+            <a:round/>
+            <a:headEnd len="sm" w="sm" type="none"/>
+            <a:tailEnd len="sm" w="sm" type="none"/>
+          </a:ln>
+        </p:spPr>
+        <p:txBody>
+          <a:bodyPr anchorCtr="0" anchor="t" bIns="91425" lIns="91425" spcFirstLastPara="1" rIns="91425" wrap="square" tIns="91425">
+            <a:noAutofit/>
+          </a:bodyPr>
+          <a:lstStyle/>
+          <a:p>
+            <a:pPr indent="0" lvl="0" marL="0" rtl="0" algn="ctr">
+              <a:lnSpc>
+                <a:spcPct val="50000"/>
+              </a:lnSpc>
+              <a:spcBef>
+                <a:spcPts val="0"/>
+              </a:spcBef>
+              <a:spcAft>
+                <a:spcPts val="0"/>
+              </a:spcAft>
+              <a:buNone/>
+            </a:pPr>
+            <a:r>
+              <a:rPr lang="en" sz="900"/>
+              <a:t>Topic 1</a:t>
+            </a:r>
+            <a:endParaRPr sz="900"/>
+          </a:p>
+        </p:txBody>
+      </p:sp>
+      <p:sp>
+        <p:nvSpPr>
+          <p:cNvPr id="76" name="Google Shape;76;p15"/>
+          <p:cNvSpPr/>
+          <p:nvPr/>
+        </p:nvSpPr>
+        <p:spPr>
+          <a:xfrm>
+            <a:off x="1241250" y="4348335"/>
+            <a:ext cx="1353000" cy="212400"/>
+          </a:xfrm>
+          <a:prstGeom prst="roundRect">
+            <a:avLst>
+              <a:gd fmla="val 16667" name="adj"/>
+            </a:avLst>
+          </a:prstGeom>
+          <a:solidFill>
+            <a:schemeClr val="lt2"/>
+          </a:solidFill>
+          <a:ln cap="flat" cmpd="sng" w="9525">
+            <a:solidFill>
+              <a:schemeClr val="dk2"/>
+            </a:solidFill>
+            <a:prstDash val="solid"/>
+            <a:round/>
+            <a:headEnd len="sm" w="sm" type="none"/>
+            <a:tailEnd len="sm" w="sm" type="none"/>
+          </a:ln>
+        </p:spPr>
+        <p:txBody>
+          <a:bodyPr anchorCtr="0" anchor="t" bIns="91425" lIns="91425" spcFirstLastPara="1" rIns="91425" wrap="square" tIns="91425">
+            <a:noAutofit/>
+          </a:bodyPr>
+          <a:lstStyle/>
+          <a:p>
+            <a:pPr indent="0" lvl="0" marL="0" rtl="0" algn="ctr">
+              <a:lnSpc>
+                <a:spcPct val="50000"/>
+              </a:lnSpc>
+              <a:spcBef>
+                <a:spcPts val="0"/>
+              </a:spcBef>
+              <a:spcAft>
+                <a:spcPts val="0"/>
+              </a:spcAft>
+              <a:buNone/>
+            </a:pPr>
+            <a:r>
+              <a:rPr lang="en" sz="900"/>
+              <a:t>Topic 2</a:t>
+            </a:r>
+            <a:endParaRPr sz="900"/>
+          </a:p>
+        </p:txBody>
+      </p:sp>
+      <p:sp>
+        <p:nvSpPr>
+          <p:cNvPr id="77" name="Google Shape;77;p15"/>
+          <p:cNvSpPr/>
+          <p:nvPr/>
+        </p:nvSpPr>
+        <p:spPr>
+          <a:xfrm>
+            <a:off x="1241250" y="4623995"/>
+            <a:ext cx="1353000" cy="212400"/>
+          </a:xfrm>
+          <a:prstGeom prst="roundRect">
+            <a:avLst>
+              <a:gd fmla="val 16667" name="adj"/>
+            </a:avLst>
+          </a:prstGeom>
+          <a:solidFill>
+            <a:schemeClr val="lt2"/>
+          </a:solidFill>
+          <a:ln cap="flat" cmpd="sng" w="9525">
+            <a:solidFill>
+              <a:schemeClr val="dk2"/>
+            </a:solidFill>
+            <a:prstDash val="solid"/>
+            <a:round/>
+            <a:headEnd len="sm" w="sm" type="none"/>
+            <a:tailEnd len="sm" w="sm" type="none"/>
+          </a:ln>
+        </p:spPr>
+        <p:txBody>
+          <a:bodyPr anchorCtr="0" anchor="t" bIns="91425" lIns="91425" spcFirstLastPara="1" rIns="91425" wrap="square" tIns="91425">
+            <a:noAutofit/>
+          </a:bodyPr>
+          <a:lstStyle/>
+          <a:p>
+            <a:pPr indent="0" lvl="0" marL="0" rtl="0" algn="ctr">
+              <a:lnSpc>
+                <a:spcPct val="50000"/>
+              </a:lnSpc>
+              <a:spcBef>
+                <a:spcPts val="0"/>
+              </a:spcBef>
+              <a:spcAft>
+                <a:spcPts val="0"/>
+              </a:spcAft>
+              <a:buNone/>
+            </a:pPr>
+            <a:r>
+              <a:rPr lang="en" sz="900"/>
+              <a:t>Topic 3</a:t>
+            </a:r>
+            <a:endParaRPr sz="900"/>
+          </a:p>
+        </p:txBody>
+      </p:sp>
+      <p:sp>
+        <p:nvSpPr>
+          <p:cNvPr id="78" name="Google Shape;78;p15"/>
+          <p:cNvSpPr/>
+          <p:nvPr/>
+        </p:nvSpPr>
+        <p:spPr>
+          <a:xfrm>
+            <a:off x="2855000" y="3990075"/>
+            <a:ext cx="768600" cy="384300"/>
+          </a:xfrm>
+          <a:prstGeom prst="rightArrow">
+            <a:avLst>
+              <a:gd fmla="val 50000" name="adj1"/>
+              <a:gd fmla="val 50000" name="adj2"/>
+            </a:avLst>
+          </a:prstGeom>
+          <a:solidFill>
+            <a:schemeClr val="lt2"/>
+          </a:solidFill>
+          <a:ln cap="flat" cmpd="sng" w="9525">
+            <a:solidFill>
+              <a:schemeClr val="dk2"/>
+            </a:solidFill>
+            <a:prstDash val="solid"/>
+            <a:round/>
+            <a:headEnd len="sm" w="sm" type="none"/>
+            <a:tailEnd len="sm" w="sm" type="none"/>
+          </a:ln>
+        </p:spPr>
+        <p:txBody>
+          <a:bodyPr anchorCtr="0" anchor="ctr" bIns="91425" lIns="91425" spcFirstLastPara="1" rIns="91425" wrap="square" tIns="91425">
+            <a:noAutofit/>
+          </a:bodyPr>
+          <a:lstStyle/>
+          <a:p>
+            <a:pPr indent="0" lvl="0" marL="0" rtl="0" algn="ctr">
+              <a:spcBef>
+                <a:spcPts val="0"/>
+              </a:spcBef>
+              <a:spcAft>
+                <a:spcPts val="0"/>
+              </a:spcAft>
+              <a:buNone/>
+            </a:pPr>
+            <a:r>
+              <a:t/>
+            </a:r>
+            <a:endParaRPr sz="1100"/>
+          </a:p>
+        </p:txBody>
+      </p:sp>
+      <p:sp>
+        <p:nvSpPr>
+          <p:cNvPr id="79" name="Google Shape;79;p15"/>
+          <p:cNvSpPr/>
+          <p:nvPr/>
+        </p:nvSpPr>
+        <p:spPr>
+          <a:xfrm>
+            <a:off x="5529450" y="3990075"/>
+            <a:ext cx="768600" cy="384300"/>
+          </a:xfrm>
+          <a:prstGeom prst="rightArrow">
+            <a:avLst>
+              <a:gd fmla="val 50000" name="adj1"/>
+              <a:gd fmla="val 50000" name="adj2"/>
+            </a:avLst>
+          </a:prstGeom>
+          <a:solidFill>
+            <a:schemeClr val="lt2"/>
+          </a:solidFill>
+          <a:ln cap="flat" cmpd="sng" w="9525">
+            <a:solidFill>
+              <a:schemeClr val="dk2"/>
+            </a:solidFill>
+            <a:prstDash val="solid"/>
+            <a:round/>
+            <a:headEnd len="sm" w="sm" type="none"/>
+            <a:tailEnd len="sm" w="sm" type="none"/>
+          </a:ln>
+        </p:spPr>
+        <p:txBody>
+          <a:bodyPr anchorCtr="0" anchor="ctr" bIns="91425" lIns="91425" spcFirstLastPara="1" rIns="91425" wrap="square" tIns="91425">
+            <a:noAutofit/>
+          </a:bodyPr>
+          <a:lstStyle/>
+          <a:p>
+            <a:pPr indent="0" lvl="0" marL="0" rtl="0" algn="ctr">
+              <a:spcBef>
+                <a:spcPts val="0"/>
+              </a:spcBef>
+              <a:spcAft>
+                <a:spcPts val="0"/>
+              </a:spcAft>
+              <a:buNone/>
+            </a:pPr>
+            <a:r>
+              <a:t/>
+            </a:r>
+            <a:endParaRPr sz="1100"/>
           </a:p>
         </p:txBody>
       </p:sp>
@@ -6716,7 +7698,7 @@
   <p:cSld>
     <p:spTree>
       <p:nvGrpSpPr>
-        <p:cNvPr id="71" name="Shape 71"/>
+        <p:cNvPr id="83" name="Shape 83"/>
         <p:cNvGrpSpPr/>
         <p:nvPr/>
       </p:nvGrpSpPr>
@@ -6730,7 +7712,7 @@
       </p:grpSpPr>
       <p:sp>
         <p:nvSpPr>
-          <p:cNvPr id="72" name="Google Shape;72;p16"/>
+          <p:cNvPr id="84" name="Google Shape;84;p16"/>
           <p:cNvSpPr txBox="1"/>
           <p:nvPr>
             <p:ph type="title"/>
@@ -6768,34 +7750,275 @@
           </a:p>
         </p:txBody>
       </p:sp>
-      <p:pic>
-        <p:nvPicPr>
-          <p:cNvPr id="73" name="Google Shape;73;p16"/>
-          <p:cNvPicPr preferRelativeResize="0"/>
-          <p:nvPr/>
-        </p:nvPicPr>
-        <p:blipFill>
-          <a:blip r:embed="rId3">
-            <a:alphaModFix/>
-          </a:blip>
-          <a:stretch>
-            <a:fillRect/>
-          </a:stretch>
-        </p:blipFill>
+      <p:sp>
+        <p:nvSpPr>
+          <p:cNvPr id="85" name="Google Shape;85;p16"/>
+          <p:cNvSpPr txBox="1"/>
+          <p:nvPr>
+            <p:ph idx="1" type="body"/>
+          </p:nvPr>
+        </p:nvSpPr>
         <p:spPr>
           <a:xfrm>
-            <a:off x="152400" y="1170125"/>
-            <a:ext cx="6603679" cy="3820976"/>
+            <a:off x="311700" y="1152475"/>
+            <a:ext cx="8520600" cy="3680400"/>
           </a:xfrm>
           <a:prstGeom prst="rect">
             <a:avLst/>
           </a:prstGeom>
-          <a:noFill/>
-          <a:ln>
-            <a:noFill/>
-          </a:ln>
         </p:spPr>
-      </p:pic>
+        <p:txBody>
+          <a:bodyPr anchorCtr="0" anchor="t" bIns="91425" lIns="91425" spcFirstLastPara="1" rIns="91425" wrap="square" tIns="91425">
+            <a:normAutofit fontScale="92500" lnSpcReduction="20000"/>
+          </a:bodyPr>
+          <a:lstStyle/>
+          <a:p>
+            <a:pPr indent="-334327" lvl="0" marL="457200" rtl="0" algn="l">
+              <a:spcBef>
+                <a:spcPts val="0"/>
+              </a:spcBef>
+              <a:spcAft>
+                <a:spcPts val="0"/>
+              </a:spcAft>
+              <a:buSzPct val="100000"/>
+              <a:buChar char="●"/>
+            </a:pPr>
+            <a:r>
+              <a:rPr lang="en"/>
+              <a:t>After experimenting with google and openai models, decided to use gpt-4o </a:t>
+            </a:r>
+            <a:endParaRPr/>
+          </a:p>
+          <a:p>
+            <a:pPr indent="-310832" lvl="1" marL="914400" rtl="0" algn="l">
+              <a:spcBef>
+                <a:spcPts val="0"/>
+              </a:spcBef>
+              <a:spcAft>
+                <a:spcPts val="0"/>
+              </a:spcAft>
+              <a:buSzPct val="100000"/>
+              <a:buChar char="○"/>
+            </a:pPr>
+            <a:r>
+              <a:rPr lang="en"/>
+              <a:t>gpt-4o-mini for speed</a:t>
+            </a:r>
+            <a:endParaRPr/>
+          </a:p>
+          <a:p>
+            <a:pPr indent="-310832" lvl="1" marL="914400" rtl="0" algn="l">
+              <a:spcBef>
+                <a:spcPts val="0"/>
+              </a:spcBef>
+              <a:spcAft>
+                <a:spcPts val="0"/>
+              </a:spcAft>
+              <a:buSzPct val="100000"/>
+              <a:buChar char="○"/>
+            </a:pPr>
+            <a:r>
+              <a:rPr lang="en"/>
+              <a:t>gpt-4o-mini-tts for audio</a:t>
+            </a:r>
+            <a:endParaRPr/>
+          </a:p>
+          <a:p>
+            <a:pPr indent="-334327" lvl="0" marL="457200" rtl="0" algn="l">
+              <a:spcBef>
+                <a:spcPts val="0"/>
+              </a:spcBef>
+              <a:spcAft>
+                <a:spcPts val="0"/>
+              </a:spcAft>
+              <a:buSzPct val="100000"/>
+              <a:buChar char="●"/>
+            </a:pPr>
+            <a:r>
+              <a:rPr lang="en"/>
+              <a:t>We are using 2 agents that maintain state(In memory, later in DB).</a:t>
+            </a:r>
+            <a:endParaRPr/>
+          </a:p>
+          <a:p>
+            <a:pPr indent="-310832" lvl="1" marL="914400" rtl="0" algn="l">
+              <a:spcBef>
+                <a:spcPts val="0"/>
+              </a:spcBef>
+              <a:spcAft>
+                <a:spcPts val="0"/>
+              </a:spcAft>
+              <a:buSzPct val="100000"/>
+              <a:buChar char="○"/>
+            </a:pPr>
+            <a:r>
+              <a:rPr lang="en"/>
+              <a:t>The Study Guide Supervisor keeps all the state</a:t>
+            </a:r>
+            <a:endParaRPr/>
+          </a:p>
+          <a:p>
+            <a:pPr indent="-310832" lvl="1" marL="914400" rtl="0" algn="l">
+              <a:spcBef>
+                <a:spcPts val="0"/>
+              </a:spcBef>
+              <a:spcAft>
+                <a:spcPts val="0"/>
+              </a:spcAft>
+              <a:buSzPct val="100000"/>
+              <a:buChar char="○"/>
+            </a:pPr>
+            <a:r>
+              <a:rPr lang="en"/>
+              <a:t>The Study Progress supervisor maintains a similar mapping, but fewer fields</a:t>
+            </a:r>
+            <a:endParaRPr/>
+          </a:p>
+          <a:p>
+            <a:pPr indent="-310832" lvl="1" marL="914400" rtl="0" algn="l">
+              <a:spcBef>
+                <a:spcPts val="0"/>
+              </a:spcBef>
+              <a:spcAft>
+                <a:spcPts val="0"/>
+              </a:spcAft>
+              <a:buSzPct val="100000"/>
+              <a:buChar char="○"/>
+            </a:pPr>
+            <a:r>
+              <a:rPr lang="en"/>
+              <a:t>Both support multiple users where each user is assigned a different thread</a:t>
+            </a:r>
+            <a:endParaRPr/>
+          </a:p>
+          <a:p>
+            <a:pPr indent="-334327" lvl="0" marL="457200" rtl="0" algn="l">
+              <a:spcBef>
+                <a:spcPts val="0"/>
+              </a:spcBef>
+              <a:spcAft>
+                <a:spcPts val="0"/>
+              </a:spcAft>
+              <a:buSzPct val="100000"/>
+              <a:buChar char="●"/>
+            </a:pPr>
+            <a:r>
+              <a:rPr lang="en"/>
+              <a:t>1 agent that doesn’t </a:t>
+            </a:r>
+            <a:r>
+              <a:rPr lang="en"/>
+              <a:t>maintain</a:t>
+            </a:r>
+            <a:r>
+              <a:rPr lang="en"/>
+              <a:t> state gets detailed parameters and uses tools to generate study guides</a:t>
+            </a:r>
+            <a:endParaRPr/>
+          </a:p>
+          <a:p>
+            <a:pPr indent="-310832" lvl="1" marL="914400" rtl="0" algn="l">
+              <a:spcBef>
+                <a:spcPts val="0"/>
+              </a:spcBef>
+              <a:spcAft>
+                <a:spcPts val="0"/>
+              </a:spcAft>
+              <a:buSzPct val="100000"/>
+              <a:buChar char="○"/>
+            </a:pPr>
+            <a:r>
+              <a:rPr lang="en"/>
+              <a:t>The study guide generating agent also integrates with a SQL database to pull book chapters from a </a:t>
+            </a:r>
+            <a:r>
+              <a:rPr lang="en"/>
+              <a:t>database(populated from a free textbook found online)</a:t>
+            </a:r>
+            <a:endParaRPr/>
+          </a:p>
+          <a:p>
+            <a:pPr indent="-334327" lvl="0" marL="457200" rtl="0" algn="l">
+              <a:spcBef>
+                <a:spcPts val="0"/>
+              </a:spcBef>
+              <a:spcAft>
+                <a:spcPts val="0"/>
+              </a:spcAft>
+              <a:buSzPct val="100000"/>
+              <a:buChar char="●"/>
+            </a:pPr>
+            <a:r>
+              <a:rPr lang="en"/>
+              <a:t>Using LangGraph checkpointer to store agent state and support multiple users</a:t>
+            </a:r>
+            <a:endParaRPr/>
+          </a:p>
+          <a:p>
+            <a:pPr indent="-334327" lvl="0" marL="457200" rtl="0" algn="l">
+              <a:spcBef>
+                <a:spcPts val="0"/>
+              </a:spcBef>
+              <a:spcAft>
+                <a:spcPts val="0"/>
+              </a:spcAft>
+              <a:buSzPct val="100000"/>
+              <a:buChar char="●"/>
+            </a:pPr>
+            <a:r>
+              <a:rPr lang="en"/>
+              <a:t>Using Kafka and a PubSub mechanism similar to Google PubSub for </a:t>
+            </a:r>
+            <a:r>
+              <a:rPr lang="en"/>
+              <a:t>asynchronous</a:t>
+            </a:r>
+            <a:r>
+              <a:rPr lang="en"/>
+              <a:t> messaging between agents</a:t>
+            </a:r>
+            <a:endParaRPr/>
+          </a:p>
+          <a:p>
+            <a:pPr indent="-334327" lvl="0" marL="457200" rtl="0" algn="l">
+              <a:spcBef>
+                <a:spcPts val="0"/>
+              </a:spcBef>
+              <a:spcAft>
+                <a:spcPts val="0"/>
+              </a:spcAft>
+              <a:buSzPct val="100000"/>
+              <a:buChar char="●"/>
+            </a:pPr>
+            <a:r>
+              <a:rPr lang="en"/>
+              <a:t>Unstructured communication between agents</a:t>
+            </a:r>
+            <a:endParaRPr/>
+          </a:p>
+          <a:p>
+            <a:pPr indent="-310832" lvl="1" marL="914400" rtl="0" algn="l">
+              <a:spcBef>
+                <a:spcPts val="0"/>
+              </a:spcBef>
+              <a:spcAft>
+                <a:spcPts val="0"/>
+              </a:spcAft>
+              <a:buSzPct val="100000"/>
+              <a:buChar char="○"/>
+            </a:pPr>
+            <a:r>
+              <a:rPr lang="en"/>
+              <a:t>Because agents are so good at unstructured data, this maximizes </a:t>
+            </a:r>
+            <a:r>
+              <a:rPr lang="en"/>
+              <a:t>flexibility</a:t>
+            </a:r>
+            <a:endParaRPr/>
+          </a:p>
+        </p:txBody>
+      </p:sp>
     </p:spTree>
   </p:cSld>
   <p:clrMapOvr>
@@ -6809,7 +8032,7 @@
   <p:cSld>
     <p:spTree>
       <p:nvGrpSpPr>
-        <p:cNvPr id="77" name="Shape 77"/>
+        <p:cNvPr id="89" name="Shape 89"/>
         <p:cNvGrpSpPr/>
         <p:nvPr/>
       </p:nvGrpSpPr>
@@ -6823,7 +8046,7 @@
       </p:grpSpPr>
       <p:sp>
         <p:nvSpPr>
-          <p:cNvPr id="78" name="Google Shape;78;p17"/>
+          <p:cNvPr id="90" name="Google Shape;90;p17"/>
           <p:cNvSpPr txBox="1"/>
           <p:nvPr>
             <p:ph type="title"/>
@@ -6855,7 +8078,100 @@
             </a:pPr>
             <a:r>
               <a:rPr lang="en"/>
-              <a:t>Demo</a:t>
+              <a:t>Technical Architecture</a:t>
+            </a:r>
+            <a:endParaRPr/>
+          </a:p>
+        </p:txBody>
+      </p:sp>
+      <p:pic>
+        <p:nvPicPr>
+          <p:cNvPr id="91" name="Google Shape;91;p17" title="flowchart2.png"/>
+          <p:cNvPicPr preferRelativeResize="0"/>
+          <p:nvPr/>
+        </p:nvPicPr>
+        <p:blipFill>
+          <a:blip r:embed="rId3">
+            <a:alphaModFix/>
+          </a:blip>
+          <a:stretch>
+            <a:fillRect/>
+          </a:stretch>
+        </p:blipFill>
+        <p:spPr>
+          <a:xfrm>
+            <a:off x="152400" y="1170125"/>
+            <a:ext cx="6941925" cy="3820975"/>
+          </a:xfrm>
+          <a:prstGeom prst="rect">
+            <a:avLst/>
+          </a:prstGeom>
+          <a:noFill/>
+          <a:ln>
+            <a:noFill/>
+          </a:ln>
+        </p:spPr>
+      </p:pic>
+    </p:spTree>
+  </p:cSld>
+  <p:clrMapOvr>
+    <a:masterClrMapping/>
+  </p:clrMapOvr>
+</p:sld>
+</file>
+
+<file path=ppt/slides/slide6.xml><?xml version="1.0" encoding="utf-8"?>
+<p:sld xmlns:a="http://schemas.openxmlformats.org/drawingml/2006/main" xmlns:r="http://schemas.openxmlformats.org/officeDocument/2006/relationships" xmlns:mc="http://schemas.openxmlformats.org/markup-compatibility/2006" xmlns:mv="urn:schemas-microsoft-com:mac:vml" xmlns:p="http://schemas.openxmlformats.org/presentationml/2006/main" xmlns:c="http://schemas.openxmlformats.org/drawingml/2006/chart" xmlns:dgm="http://schemas.openxmlformats.org/drawingml/2006/diagram" xmlns:o="urn:schemas-microsoft-com:office:office" xmlns:v="urn:schemas-microsoft-com:vml" xmlns:pvml="urn:schemas-microsoft-com:office:powerpoint" xmlns:com="http://schemas.openxmlformats.org/drawingml/2006/compatibility" xmlns:p14="http://schemas.microsoft.com/office/powerpoint/2010/main" xmlns:p15="http://schemas.microsoft.com/office/powerpoint/2012/main" xmlns:ahyp="http://schemas.microsoft.com/office/drawing/2018/hyperlinkcolor">
+  <p:cSld>
+    <p:spTree>
+      <p:nvGrpSpPr>
+        <p:cNvPr id="95" name="Shape 95"/>
+        <p:cNvGrpSpPr/>
+        <p:nvPr/>
+      </p:nvGrpSpPr>
+      <p:grpSpPr>
+        <a:xfrm>
+          <a:off x="0" y="0"/>
+          <a:ext cx="0" cy="0"/>
+          <a:chOff x="0" y="0"/>
+          <a:chExt cx="0" cy="0"/>
+        </a:xfrm>
+      </p:grpSpPr>
+      <p:sp>
+        <p:nvSpPr>
+          <p:cNvPr id="96" name="Google Shape;96;p18"/>
+          <p:cNvSpPr txBox="1"/>
+          <p:nvPr>
+            <p:ph type="title"/>
+          </p:nvPr>
+        </p:nvSpPr>
+        <p:spPr>
+          <a:xfrm>
+            <a:off x="311700" y="445025"/>
+            <a:ext cx="8520600" cy="572700"/>
+          </a:xfrm>
+          <a:prstGeom prst="rect">
+            <a:avLst/>
+          </a:prstGeom>
+        </p:spPr>
+        <p:txBody>
+          <a:bodyPr anchorCtr="0" anchor="t" bIns="91425" lIns="91425" spcFirstLastPara="1" rIns="91425" wrap="square" tIns="91425">
+            <a:normAutofit fontScale="90000"/>
+          </a:bodyPr>
+          <a:lstStyle/>
+          <a:p>
+            <a:pPr indent="0" lvl="0" marL="0" rtl="0" algn="l">
+              <a:spcBef>
+                <a:spcPts val="0"/>
+              </a:spcBef>
+              <a:spcAft>
+                <a:spcPts val="0"/>
+              </a:spcAft>
+              <a:buNone/>
+            </a:pPr>
+            <a:r>
+              <a:rPr lang="en"/>
+              <a:t>Taking the agent to production</a:t>
             </a:r>
             <a:endParaRPr/>
           </a:p>
@@ -6863,7 +8179,351 @@
       </p:sp>
       <p:sp>
         <p:nvSpPr>
-          <p:cNvPr id="79" name="Google Shape;79;p17"/>
+          <p:cNvPr id="97" name="Google Shape;97;p18"/>
+          <p:cNvSpPr txBox="1"/>
+          <p:nvPr>
+            <p:ph idx="1" type="body"/>
+          </p:nvPr>
+        </p:nvSpPr>
+        <p:spPr>
+          <a:xfrm>
+            <a:off x="311700" y="1152475"/>
+            <a:ext cx="8520600" cy="3680400"/>
+          </a:xfrm>
+          <a:prstGeom prst="rect">
+            <a:avLst/>
+          </a:prstGeom>
+        </p:spPr>
+        <p:txBody>
+          <a:bodyPr anchorCtr="0" anchor="t" bIns="91425" lIns="91425" spcFirstLastPara="1" rIns="91425" wrap="square" tIns="91425">
+            <a:normAutofit fontScale="92500" lnSpcReduction="20000"/>
+          </a:bodyPr>
+          <a:lstStyle/>
+          <a:p>
+            <a:pPr indent="-334327" lvl="0" marL="457200" rtl="0" algn="l">
+              <a:spcBef>
+                <a:spcPts val="0"/>
+              </a:spcBef>
+              <a:spcAft>
+                <a:spcPts val="0"/>
+              </a:spcAft>
+              <a:buSzPct val="100000"/>
+              <a:buChar char="●"/>
+            </a:pPr>
+            <a:r>
+              <a:rPr lang="en"/>
+              <a:t>Need to hook up to the database to persist agent state to the database</a:t>
+            </a:r>
+            <a:endParaRPr/>
+          </a:p>
+          <a:p>
+            <a:pPr indent="-310832" lvl="1" marL="914400" rtl="0" algn="l">
+              <a:spcBef>
+                <a:spcPts val="0"/>
+              </a:spcBef>
+              <a:spcAft>
+                <a:spcPts val="0"/>
+              </a:spcAft>
+              <a:buSzPct val="100000"/>
+              <a:buChar char="○"/>
+            </a:pPr>
+            <a:r>
+              <a:rPr lang="en"/>
+              <a:t>MongoDB may be better at storing documents and images together</a:t>
+            </a:r>
+            <a:endParaRPr/>
+          </a:p>
+          <a:p>
+            <a:pPr indent="-310832" lvl="1" marL="914400" rtl="0" algn="l">
+              <a:spcBef>
+                <a:spcPts val="0"/>
+              </a:spcBef>
+              <a:spcAft>
+                <a:spcPts val="0"/>
+              </a:spcAft>
+              <a:buSzPct val="100000"/>
+              <a:buChar char="○"/>
+            </a:pPr>
+            <a:r>
+              <a:rPr lang="en"/>
+              <a:t>Could store image in cloud storage</a:t>
+            </a:r>
+            <a:endParaRPr/>
+          </a:p>
+          <a:p>
+            <a:pPr indent="-334327" lvl="0" marL="457200" rtl="0" algn="l">
+              <a:spcBef>
+                <a:spcPts val="0"/>
+              </a:spcBef>
+              <a:spcAft>
+                <a:spcPts val="0"/>
+              </a:spcAft>
+              <a:buSzPct val="100000"/>
+              <a:buChar char="●"/>
+            </a:pPr>
+            <a:r>
+              <a:rPr lang="en"/>
+              <a:t>The current mechanism for managing multiple users is not maintainable, so will need to use a proper data model</a:t>
+            </a:r>
+            <a:endParaRPr/>
+          </a:p>
+          <a:p>
+            <a:pPr indent="-334327" lvl="0" marL="457200" rtl="0" algn="l">
+              <a:spcBef>
+                <a:spcPts val="0"/>
+              </a:spcBef>
+              <a:spcAft>
+                <a:spcPts val="0"/>
+              </a:spcAft>
+              <a:buSzPct val="100000"/>
+              <a:buChar char="●"/>
+            </a:pPr>
+            <a:r>
+              <a:rPr lang="en"/>
+              <a:t>Audio will need to be stored on Cloud storage</a:t>
+            </a:r>
+            <a:endParaRPr/>
+          </a:p>
+          <a:p>
+            <a:pPr indent="-310832" lvl="1" marL="914400" rtl="0" algn="l">
+              <a:spcBef>
+                <a:spcPts val="0"/>
+              </a:spcBef>
+              <a:spcAft>
+                <a:spcPts val="0"/>
+              </a:spcAft>
+              <a:buSzPct val="100000"/>
+              <a:buChar char="○"/>
+            </a:pPr>
+            <a:r>
+              <a:rPr lang="en"/>
+              <a:t>S3, GCS, Blob Storage</a:t>
+            </a:r>
+            <a:endParaRPr/>
+          </a:p>
+          <a:p>
+            <a:pPr indent="-334327" lvl="0" marL="457200" rtl="0" algn="l">
+              <a:spcBef>
+                <a:spcPts val="0"/>
+              </a:spcBef>
+              <a:spcAft>
+                <a:spcPts val="0"/>
+              </a:spcAft>
+              <a:buSzPct val="100000"/>
+              <a:buChar char="●"/>
+            </a:pPr>
+            <a:r>
+              <a:rPr lang="en"/>
+              <a:t>Setup secure login</a:t>
+            </a:r>
+            <a:endParaRPr/>
+          </a:p>
+          <a:p>
+            <a:pPr indent="-334327" lvl="0" marL="457200" rtl="0" algn="l">
+              <a:spcBef>
+                <a:spcPts val="0"/>
+              </a:spcBef>
+              <a:spcAft>
+                <a:spcPts val="0"/>
+              </a:spcAft>
+              <a:buSzPct val="100000"/>
+              <a:buChar char="●"/>
+            </a:pPr>
+            <a:r>
+              <a:rPr lang="en"/>
+              <a:t>Proper input validation at endpoints and data sanitization for app security</a:t>
+            </a:r>
+            <a:endParaRPr/>
+          </a:p>
+          <a:p>
+            <a:pPr indent="-334327" lvl="0" marL="457200" rtl="0" algn="l">
+              <a:spcBef>
+                <a:spcPts val="0"/>
+              </a:spcBef>
+              <a:spcAft>
+                <a:spcPts val="0"/>
+              </a:spcAft>
+              <a:buSzPct val="100000"/>
+              <a:buChar char="●"/>
+            </a:pPr>
+            <a:r>
+              <a:rPr lang="en"/>
+              <a:t>Polish the UI</a:t>
+            </a:r>
+            <a:endParaRPr/>
+          </a:p>
+          <a:p>
+            <a:pPr indent="-310832" lvl="1" marL="914400" rtl="0" algn="l">
+              <a:spcBef>
+                <a:spcPts val="0"/>
+              </a:spcBef>
+              <a:spcAft>
+                <a:spcPts val="0"/>
+              </a:spcAft>
+              <a:buSzPct val="100000"/>
+              <a:buChar char="○"/>
+            </a:pPr>
+            <a:r>
+              <a:rPr lang="en"/>
+              <a:t>Make Quiz Question view more engaging</a:t>
+            </a:r>
+            <a:endParaRPr/>
+          </a:p>
+          <a:p>
+            <a:pPr indent="-310832" lvl="1" marL="914400" rtl="0" algn="l">
+              <a:spcBef>
+                <a:spcPts val="0"/>
+              </a:spcBef>
+              <a:spcAft>
+                <a:spcPts val="0"/>
+              </a:spcAft>
+              <a:buSzPct val="100000"/>
+              <a:buChar char="○"/>
+            </a:pPr>
+            <a:r>
+              <a:rPr lang="en"/>
+              <a:t>Level grades/downgrades more fun and logic more transparent</a:t>
+            </a:r>
+            <a:endParaRPr/>
+          </a:p>
+          <a:p>
+            <a:pPr indent="-310832" lvl="1" marL="914400" rtl="0" algn="l">
+              <a:spcBef>
+                <a:spcPts val="0"/>
+              </a:spcBef>
+              <a:spcAft>
+                <a:spcPts val="0"/>
+              </a:spcAft>
+              <a:buSzPct val="100000"/>
+              <a:buChar char="○"/>
+            </a:pPr>
+            <a:r>
+              <a:rPr lang="en"/>
+              <a:t>Allow report issues with data and regenerating study guides at will</a:t>
+            </a:r>
+            <a:endParaRPr/>
+          </a:p>
+          <a:p>
+            <a:pPr indent="-334327" lvl="0" marL="457200" rtl="0" algn="l">
+              <a:spcBef>
+                <a:spcPts val="0"/>
+              </a:spcBef>
+              <a:spcAft>
+                <a:spcPts val="0"/>
+              </a:spcAft>
+              <a:buSzPct val="100000"/>
+              <a:buChar char="●"/>
+            </a:pPr>
+            <a:r>
+              <a:rPr lang="en"/>
+              <a:t>Create UI for reviewing study progress</a:t>
+            </a:r>
+            <a:endParaRPr/>
+          </a:p>
+          <a:p>
+            <a:pPr indent="-334327" lvl="0" marL="457200" rtl="0" algn="l">
+              <a:spcBef>
+                <a:spcPts val="0"/>
+              </a:spcBef>
+              <a:spcAft>
+                <a:spcPts val="0"/>
+              </a:spcAft>
+              <a:buSzPct val="100000"/>
+              <a:buChar char="●"/>
+            </a:pPr>
+            <a:r>
+              <a:rPr lang="en"/>
+              <a:t>Create a test suite for verifying correctness and consistent outputs</a:t>
+            </a:r>
+            <a:endParaRPr/>
+          </a:p>
+          <a:p>
+            <a:pPr indent="-310832" lvl="1" marL="914400" rtl="0" algn="l">
+              <a:spcBef>
+                <a:spcPts val="0"/>
+              </a:spcBef>
+              <a:spcAft>
+                <a:spcPts val="0"/>
+              </a:spcAft>
+              <a:buSzPct val="100000"/>
+              <a:buChar char="○"/>
+            </a:pPr>
+            <a:r>
+              <a:rPr lang="en"/>
+              <a:t>Can you use cheap and fast LLMs to test using focused prompts.</a:t>
+            </a:r>
+            <a:endParaRPr/>
+          </a:p>
+        </p:txBody>
+      </p:sp>
+    </p:spTree>
+  </p:cSld>
+  <p:clrMapOvr>
+    <a:masterClrMapping/>
+  </p:clrMapOvr>
+</p:sld>
+</file>
+
+<file path=ppt/slides/slide7.xml><?xml version="1.0" encoding="utf-8"?>
+<p:sld xmlns:a="http://schemas.openxmlformats.org/drawingml/2006/main" xmlns:r="http://schemas.openxmlformats.org/officeDocument/2006/relationships" xmlns:mc="http://schemas.openxmlformats.org/markup-compatibility/2006" xmlns:mv="urn:schemas-microsoft-com:mac:vml" xmlns:p="http://schemas.openxmlformats.org/presentationml/2006/main" xmlns:c="http://schemas.openxmlformats.org/drawingml/2006/chart" xmlns:dgm="http://schemas.openxmlformats.org/drawingml/2006/diagram" xmlns:o="urn:schemas-microsoft-com:office:office" xmlns:v="urn:schemas-microsoft-com:vml" xmlns:pvml="urn:schemas-microsoft-com:office:powerpoint" xmlns:com="http://schemas.openxmlformats.org/drawingml/2006/compatibility" xmlns:p14="http://schemas.microsoft.com/office/powerpoint/2010/main" xmlns:p15="http://schemas.microsoft.com/office/powerpoint/2012/main" xmlns:ahyp="http://schemas.microsoft.com/office/drawing/2018/hyperlinkcolor">
+  <p:cSld>
+    <p:spTree>
+      <p:nvGrpSpPr>
+        <p:cNvPr id="101" name="Shape 101"/>
+        <p:cNvGrpSpPr/>
+        <p:nvPr/>
+      </p:nvGrpSpPr>
+      <p:grpSpPr>
+        <a:xfrm>
+          <a:off x="0" y="0"/>
+          <a:ext cx="0" cy="0"/>
+          <a:chOff x="0" y="0"/>
+          <a:chExt cx="0" cy="0"/>
+        </a:xfrm>
+      </p:grpSpPr>
+      <p:sp>
+        <p:nvSpPr>
+          <p:cNvPr id="102" name="Google Shape;102;p19"/>
+          <p:cNvSpPr txBox="1"/>
+          <p:nvPr>
+            <p:ph type="title"/>
+          </p:nvPr>
+        </p:nvSpPr>
+        <p:spPr>
+          <a:xfrm>
+            <a:off x="311700" y="445025"/>
+            <a:ext cx="8520600" cy="572700"/>
+          </a:xfrm>
+          <a:prstGeom prst="rect">
+            <a:avLst/>
+          </a:prstGeom>
+        </p:spPr>
+        <p:txBody>
+          <a:bodyPr anchorCtr="0" anchor="t" bIns="91425" lIns="91425" spcFirstLastPara="1" rIns="91425" wrap="square" tIns="91425">
+            <a:normAutofit fontScale="90000"/>
+          </a:bodyPr>
+          <a:lstStyle/>
+          <a:p>
+            <a:pPr indent="0" lvl="0" marL="0" rtl="0" algn="l">
+              <a:spcBef>
+                <a:spcPts val="0"/>
+              </a:spcBef>
+              <a:spcAft>
+                <a:spcPts val="0"/>
+              </a:spcAft>
+              <a:buNone/>
+            </a:pPr>
+            <a:r>
+              <a:rPr lang="en"/>
+              <a:t>Code review</a:t>
+            </a:r>
+            <a:endParaRPr/>
+          </a:p>
+        </p:txBody>
+      </p:sp>
+      <p:sp>
+        <p:nvSpPr>
+          <p:cNvPr id="103" name="Google Shape;103;p19"/>
           <p:cNvSpPr txBox="1"/>
           <p:nvPr>
             <p:ph idx="1" type="body"/>
@@ -6896,7 +8556,134 @@
             </a:pPr>
             <a:r>
               <a:rPr lang="en"/>
-              <a:t>Will Generate Video later</a:t>
+              <a:t>Supervisor agent with a mix of deterministic and non-deterministic routes</a:t>
+            </a:r>
+            <a:endParaRPr/>
+          </a:p>
+          <a:p>
+            <a:pPr indent="-342900" lvl="0" marL="457200" rtl="0" algn="l">
+              <a:spcBef>
+                <a:spcPts val="0"/>
+              </a:spcBef>
+              <a:spcAft>
+                <a:spcPts val="0"/>
+              </a:spcAft>
+              <a:buSzPts val="1800"/>
+              <a:buChar char="●"/>
+            </a:pPr>
+            <a:r>
+              <a:rPr lang="en"/>
+              <a:t>PubSub with multi-endpoint subscription for event driven architecture</a:t>
+            </a:r>
+            <a:endParaRPr/>
+          </a:p>
+          <a:p>
+            <a:pPr indent="-317500" lvl="1" marL="914400" rtl="0" algn="l">
+              <a:spcBef>
+                <a:spcPts val="0"/>
+              </a:spcBef>
+              <a:spcAft>
+                <a:spcPts val="0"/>
+              </a:spcAft>
+              <a:buSzPts val="1400"/>
+              <a:buChar char="○"/>
+            </a:pPr>
+            <a:r>
+              <a:rPr lang="en"/>
+              <a:t>Code can be made more generic with less duplication</a:t>
+            </a:r>
+            <a:endParaRPr/>
+          </a:p>
+          <a:p>
+            <a:pPr indent="-342900" lvl="0" marL="457200" rtl="0" algn="l">
+              <a:spcBef>
+                <a:spcPts val="0"/>
+              </a:spcBef>
+              <a:spcAft>
+                <a:spcPts val="0"/>
+              </a:spcAft>
+              <a:buSzPts val="1800"/>
+              <a:buChar char="●"/>
+            </a:pPr>
+            <a:r>
+              <a:rPr lang="en"/>
+              <a:t>Study guide builder react agent with db RAG integrating with study materials </a:t>
+            </a:r>
+            <a:r>
+              <a:rPr lang="en"/>
+              <a:t>database</a:t>
+            </a:r>
+            <a:r>
+              <a:rPr lang="en"/>
+              <a:t> + audio generation</a:t>
+            </a:r>
+            <a:endParaRPr/>
+          </a:p>
+          <a:p>
+            <a:pPr indent="-342900" lvl="0" marL="457200" rtl="0" algn="l">
+              <a:spcBef>
+                <a:spcPts val="0"/>
+              </a:spcBef>
+              <a:spcAft>
+                <a:spcPts val="0"/>
+              </a:spcAft>
+              <a:buSzPts val="1800"/>
+              <a:buChar char="●"/>
+            </a:pPr>
+            <a:r>
+              <a:rPr lang="en"/>
+              <a:t>Study progress agent</a:t>
+            </a:r>
+            <a:endParaRPr/>
+          </a:p>
+          <a:p>
+            <a:pPr indent="-342900" lvl="0" marL="457200" rtl="0" algn="l">
+              <a:spcBef>
+                <a:spcPts val="0"/>
+              </a:spcBef>
+              <a:spcAft>
+                <a:spcPts val="0"/>
+              </a:spcAft>
+              <a:buSzPts val="1800"/>
+              <a:buChar char="●"/>
+            </a:pPr>
+            <a:r>
+              <a:rPr lang="en"/>
+              <a:t>Flask app</a:t>
+            </a:r>
+            <a:endParaRPr/>
+          </a:p>
+          <a:p>
+            <a:pPr indent="-342900" lvl="0" marL="457200" rtl="0" algn="l">
+              <a:spcBef>
+                <a:spcPts val="0"/>
+              </a:spcBef>
+              <a:spcAft>
+                <a:spcPts val="0"/>
+              </a:spcAft>
+              <a:buSzPts val="1800"/>
+              <a:buChar char="●"/>
+            </a:pPr>
+            <a:r>
+              <a:rPr lang="en"/>
+              <a:t>Front end</a:t>
+            </a:r>
+            <a:endParaRPr/>
+          </a:p>
+          <a:p>
+            <a:pPr indent="-342900" lvl="0" marL="457200" rtl="0" algn="l">
+              <a:spcBef>
+                <a:spcPts val="0"/>
+              </a:spcBef>
+              <a:spcAft>
+                <a:spcPts val="0"/>
+              </a:spcAft>
+              <a:buSzPts val="1800"/>
+              <a:buChar char="●"/>
+            </a:pPr>
+            <a:r>
+              <a:rPr lang="en"/>
+              <a:t>User store(mimics database)</a:t>
             </a:r>
             <a:endParaRPr/>
           </a:p>
@@ -6910,12 +8697,12 @@
 </p:sld>
 </file>
 
-<file path=ppt/slides/slide6.xml><?xml version="1.0" encoding="utf-8"?>
+<file path=ppt/slides/slide8.xml><?xml version="1.0" encoding="utf-8"?>
 <p:sld xmlns:a="http://schemas.openxmlformats.org/drawingml/2006/main" xmlns:r="http://schemas.openxmlformats.org/officeDocument/2006/relationships" xmlns:mc="http://schemas.openxmlformats.org/markup-compatibility/2006" xmlns:mv="urn:schemas-microsoft-com:mac:vml" xmlns:p="http://schemas.openxmlformats.org/presentationml/2006/main" xmlns:c="http://schemas.openxmlformats.org/drawingml/2006/chart" xmlns:dgm="http://schemas.openxmlformats.org/drawingml/2006/diagram" xmlns:o="urn:schemas-microsoft-com:office:office" xmlns:v="urn:schemas-microsoft-com:vml" xmlns:pvml="urn:schemas-microsoft-com:office:powerpoint" xmlns:com="http://schemas.openxmlformats.org/drawingml/2006/compatibility" xmlns:p14="http://schemas.microsoft.com/office/powerpoint/2010/main" xmlns:p15="http://schemas.microsoft.com/office/powerpoint/2012/main" xmlns:ahyp="http://schemas.microsoft.com/office/drawing/2018/hyperlinkcolor">
   <p:cSld>
     <p:spTree>
       <p:nvGrpSpPr>
-        <p:cNvPr id="83" name="Shape 83"/>
+        <p:cNvPr id="107" name="Shape 107"/>
         <p:cNvGrpSpPr/>
         <p:nvPr/>
       </p:nvGrpSpPr>
@@ -6929,7 +8716,7 @@
       </p:grpSpPr>
       <p:sp>
         <p:nvSpPr>
-          <p:cNvPr id="84" name="Google Shape;84;p18"/>
+          <p:cNvPr id="108" name="Google Shape;108;p20"/>
           <p:cNvSpPr txBox="1"/>
           <p:nvPr>
             <p:ph type="title"/>
@@ -6961,7 +8748,7 @@
             </a:pPr>
             <a:r>
               <a:rPr lang="en"/>
-              <a:t>Challenges/Learnings</a:t>
+              <a:t>Future Enhancements</a:t>
             </a:r>
             <a:endParaRPr/>
           </a:p>
@@ -6969,7 +8756,436 @@
       </p:sp>
       <p:sp>
         <p:nvSpPr>
-          <p:cNvPr id="85" name="Google Shape;85;p18"/>
+          <p:cNvPr id="109" name="Google Shape;109;p20"/>
+          <p:cNvSpPr txBox="1"/>
+          <p:nvPr>
+            <p:ph idx="1" type="body"/>
+          </p:nvPr>
+        </p:nvSpPr>
+        <p:spPr>
+          <a:xfrm>
+            <a:off x="311700" y="1152475"/>
+            <a:ext cx="8520600" cy="3680400"/>
+          </a:xfrm>
+          <a:prstGeom prst="rect">
+            <a:avLst/>
+          </a:prstGeom>
+        </p:spPr>
+        <p:txBody>
+          <a:bodyPr anchorCtr="0" anchor="t" bIns="91425" lIns="91425" spcFirstLastPara="1" rIns="91425" wrap="square" tIns="91425">
+            <a:normAutofit fontScale="77500" lnSpcReduction="20000"/>
+          </a:bodyPr>
+          <a:lstStyle/>
+          <a:p>
+            <a:pPr indent="-317182" lvl="0" marL="457200" rtl="0" algn="l">
+              <a:spcBef>
+                <a:spcPts val="0"/>
+              </a:spcBef>
+              <a:spcAft>
+                <a:spcPts val="0"/>
+              </a:spcAft>
+              <a:buSzPct val="100000"/>
+              <a:buChar char="●"/>
+            </a:pPr>
+            <a:r>
+              <a:rPr lang="en"/>
+              <a:t>Responsible AI</a:t>
+            </a:r>
+            <a:endParaRPr/>
+          </a:p>
+          <a:p>
+            <a:pPr indent="-297497" lvl="1" marL="914400" rtl="0" algn="l">
+              <a:spcBef>
+                <a:spcPts val="0"/>
+              </a:spcBef>
+              <a:spcAft>
+                <a:spcPts val="0"/>
+              </a:spcAft>
+              <a:buSzPct val="100000"/>
+              <a:buChar char="○"/>
+            </a:pPr>
+            <a:r>
+              <a:rPr lang="en"/>
+              <a:t>Use deterministic algorithm for level calculation otherwise it becomes opaque and confusing</a:t>
+            </a:r>
+            <a:endParaRPr/>
+          </a:p>
+          <a:p>
+            <a:pPr indent="-297497" lvl="1" marL="914400" rtl="0" algn="l">
+              <a:spcBef>
+                <a:spcPts val="0"/>
+              </a:spcBef>
+              <a:spcAft>
+                <a:spcPts val="0"/>
+              </a:spcAft>
+              <a:buSzPct val="100000"/>
+              <a:buChar char="○"/>
+            </a:pPr>
+            <a:r>
+              <a:rPr lang="en"/>
+              <a:t>Improve citations. Right now citation is for the book used to generate study guide. Should really cite every sentence</a:t>
+            </a:r>
+            <a:endParaRPr/>
+          </a:p>
+          <a:p>
+            <a:pPr indent="-297497" lvl="1" marL="914400" rtl="0" algn="l">
+              <a:spcBef>
+                <a:spcPts val="0"/>
+              </a:spcBef>
+              <a:spcAft>
+                <a:spcPts val="0"/>
+              </a:spcAft>
+              <a:buSzPct val="100000"/>
+              <a:buChar char="○"/>
+            </a:pPr>
+            <a:r>
+              <a:rPr lang="en"/>
+              <a:t>Allow reporting of issues with the data</a:t>
+            </a:r>
+            <a:endParaRPr/>
+          </a:p>
+          <a:p>
+            <a:pPr indent="-297497" lvl="1" marL="914400" rtl="0" algn="l">
+              <a:spcBef>
+                <a:spcPts val="0"/>
+              </a:spcBef>
+              <a:spcAft>
+                <a:spcPts val="0"/>
+              </a:spcAft>
+              <a:buSzPct val="100000"/>
+              <a:buChar char="○"/>
+            </a:pPr>
+            <a:r>
+              <a:rPr lang="en"/>
+              <a:t>Reduce hallucinations by using embeddings models to verify that text generated by the AI is found in source material</a:t>
+            </a:r>
+            <a:endParaRPr/>
+          </a:p>
+          <a:p>
+            <a:pPr indent="-297497" lvl="1" marL="914400" rtl="0" algn="l">
+              <a:spcBef>
+                <a:spcPts val="0"/>
+              </a:spcBef>
+              <a:spcAft>
+                <a:spcPts val="0"/>
+              </a:spcAft>
+              <a:buSzPct val="100000"/>
+              <a:buChar char="○"/>
+            </a:pPr>
+            <a:r>
+              <a:rPr lang="en"/>
+              <a:t>Reduce hallucinations by having a swarm of agents check each sentence for having bases in the source material</a:t>
+            </a:r>
+            <a:endParaRPr/>
+          </a:p>
+          <a:p>
+            <a:pPr indent="-317182" lvl="0" marL="457200" rtl="0" algn="l">
+              <a:spcBef>
+                <a:spcPts val="0"/>
+              </a:spcBef>
+              <a:spcAft>
+                <a:spcPts val="0"/>
+              </a:spcAft>
+              <a:buSzPct val="100000"/>
+              <a:buChar char="●"/>
+            </a:pPr>
+            <a:r>
+              <a:rPr lang="en"/>
+              <a:t>UI</a:t>
+            </a:r>
+            <a:endParaRPr/>
+          </a:p>
+          <a:p>
+            <a:pPr indent="-297497" lvl="1" marL="914400" rtl="0" algn="l">
+              <a:spcBef>
+                <a:spcPts val="0"/>
+              </a:spcBef>
+              <a:spcAft>
+                <a:spcPts val="0"/>
+              </a:spcAft>
+              <a:buSzPct val="100000"/>
+              <a:buChar char="○"/>
+            </a:pPr>
+            <a:r>
+              <a:rPr lang="en"/>
+              <a:t>Short focused study guide to dwell into weak areas</a:t>
+            </a:r>
+            <a:endParaRPr/>
+          </a:p>
+          <a:p>
+            <a:pPr indent="-297497" lvl="1" marL="914400" rtl="0" algn="l">
+              <a:spcBef>
+                <a:spcPts val="0"/>
+              </a:spcBef>
+              <a:spcAft>
+                <a:spcPts val="0"/>
+              </a:spcAft>
+              <a:buSzPct val="100000"/>
+              <a:buChar char="○"/>
+            </a:pPr>
+            <a:r>
+              <a:rPr lang="en"/>
+              <a:t>Interacting with the study guide to get explanations of selected text</a:t>
+            </a:r>
+            <a:endParaRPr/>
+          </a:p>
+          <a:p>
+            <a:pPr indent="-297497" lvl="1" marL="914400" rtl="0" algn="l">
+              <a:spcBef>
+                <a:spcPts val="0"/>
+              </a:spcBef>
+              <a:spcAft>
+                <a:spcPts val="0"/>
+              </a:spcAft>
+              <a:buSzPct val="100000"/>
+              <a:buChar char="○"/>
+            </a:pPr>
+            <a:r>
+              <a:rPr lang="en"/>
+              <a:t>Text interactions with study guide to allow regeneration, or live  updates</a:t>
+            </a:r>
+            <a:endParaRPr/>
+          </a:p>
+          <a:p>
+            <a:pPr indent="-297497" lvl="1" marL="914400" rtl="0" algn="l">
+              <a:spcBef>
+                <a:spcPts val="0"/>
+              </a:spcBef>
+              <a:spcAft>
+                <a:spcPts val="0"/>
+              </a:spcAft>
+              <a:buSzPct val="100000"/>
+              <a:buChar char="○"/>
+            </a:pPr>
+            <a:r>
+              <a:rPr lang="en"/>
+              <a:t>Streaming of study guide text to the page to allow seeing text as soon as possible</a:t>
+            </a:r>
+            <a:endParaRPr/>
+          </a:p>
+          <a:p>
+            <a:pPr indent="-297497" lvl="1" marL="914400" rtl="0" algn="l">
+              <a:spcBef>
+                <a:spcPts val="0"/>
+              </a:spcBef>
+              <a:spcAft>
+                <a:spcPts val="0"/>
+              </a:spcAft>
+              <a:buSzPct val="100000"/>
+              <a:buChar char="○"/>
+            </a:pPr>
+            <a:r>
+              <a:rPr lang="en"/>
+              <a:t>Make audio player better and also allow shorter versions of focused study</a:t>
+            </a:r>
+            <a:endParaRPr/>
+          </a:p>
+          <a:p>
+            <a:pPr indent="-297497" lvl="1" marL="914400" rtl="0" algn="l">
+              <a:spcBef>
+                <a:spcPts val="0"/>
+              </a:spcBef>
+              <a:spcAft>
+                <a:spcPts val="0"/>
+              </a:spcAft>
+              <a:buSzPct val="100000"/>
+              <a:buChar char="○"/>
+            </a:pPr>
+            <a:r>
+              <a:rPr lang="en"/>
+              <a:t>Images in the study guide</a:t>
+            </a:r>
+            <a:endParaRPr/>
+          </a:p>
+          <a:p>
+            <a:pPr indent="-297497" lvl="1" marL="914400" rtl="0" algn="l">
+              <a:spcBef>
+                <a:spcPts val="0"/>
+              </a:spcBef>
+              <a:spcAft>
+                <a:spcPts val="0"/>
+              </a:spcAft>
+              <a:buSzPct val="100000"/>
+              <a:buChar char="○"/>
+            </a:pPr>
+            <a:r>
+              <a:rPr lang="en"/>
+              <a:t>Update cross subject/topic study guides (half done)</a:t>
+            </a:r>
+            <a:endParaRPr/>
+          </a:p>
+          <a:p>
+            <a:pPr indent="-317182" lvl="0" marL="457200" rtl="0" algn="l">
+              <a:spcBef>
+                <a:spcPts val="0"/>
+              </a:spcBef>
+              <a:spcAft>
+                <a:spcPts val="0"/>
+              </a:spcAft>
+              <a:buSzPct val="100000"/>
+              <a:buChar char="●"/>
+            </a:pPr>
+            <a:r>
+              <a:rPr lang="en"/>
+              <a:t>Architecture</a:t>
+            </a:r>
+            <a:endParaRPr/>
+          </a:p>
+          <a:p>
+            <a:pPr indent="-297497" lvl="1" marL="914400" rtl="0" algn="l">
+              <a:spcBef>
+                <a:spcPts val="0"/>
+              </a:spcBef>
+              <a:spcAft>
+                <a:spcPts val="0"/>
+              </a:spcAft>
+              <a:buSzPct val="100000"/>
+              <a:buChar char="○"/>
+            </a:pPr>
+            <a:r>
+              <a:rPr lang="en"/>
+              <a:t>Improve agent interactions with more agents using PubSub (for example generating quiz questions asynchronously)</a:t>
+            </a:r>
+            <a:endParaRPr/>
+          </a:p>
+          <a:p>
+            <a:pPr indent="-297497" lvl="1" marL="914400" rtl="0" algn="l">
+              <a:spcBef>
+                <a:spcPts val="0"/>
+              </a:spcBef>
+              <a:spcAft>
+                <a:spcPts val="0"/>
+              </a:spcAft>
+              <a:buSzPct val="100000"/>
+              <a:buChar char="○"/>
+            </a:pPr>
+            <a:r>
+              <a:rPr lang="en"/>
+              <a:t>Async and Streaming for agents for better latency</a:t>
+            </a:r>
+            <a:endParaRPr/>
+          </a:p>
+          <a:p>
+            <a:pPr indent="-297497" lvl="1" marL="914400" rtl="0" algn="l">
+              <a:spcBef>
+                <a:spcPts val="0"/>
+              </a:spcBef>
+              <a:spcAft>
+                <a:spcPts val="0"/>
+              </a:spcAft>
+              <a:buSzPct val="100000"/>
+              <a:buChar char="○"/>
+            </a:pPr>
+            <a:r>
+              <a:rPr lang="en"/>
+              <a:t>Need to protect against race conditions</a:t>
+            </a:r>
+            <a:endParaRPr/>
+          </a:p>
+          <a:p>
+            <a:pPr indent="-317182" lvl="0" marL="457200" rtl="0" algn="l">
+              <a:spcBef>
+                <a:spcPts val="0"/>
+              </a:spcBef>
+              <a:spcAft>
+                <a:spcPts val="0"/>
+              </a:spcAft>
+              <a:buSzPct val="100000"/>
+              <a:buChar char="●"/>
+            </a:pPr>
+            <a:r>
+              <a:rPr lang="en"/>
+              <a:t>Audio</a:t>
+            </a:r>
+            <a:endParaRPr/>
+          </a:p>
+          <a:p>
+            <a:pPr indent="-297497" lvl="1" marL="914400" rtl="0" algn="l">
+              <a:spcBef>
+                <a:spcPts val="0"/>
+              </a:spcBef>
+              <a:spcAft>
+                <a:spcPts val="0"/>
+              </a:spcAft>
+              <a:buSzPct val="100000"/>
+              <a:buChar char="○"/>
+            </a:pPr>
+            <a:r>
+              <a:rPr lang="en"/>
+              <a:t>Update to generate podcast with two speakers</a:t>
+            </a:r>
+            <a:endParaRPr/>
+          </a:p>
+        </p:txBody>
+      </p:sp>
+    </p:spTree>
+  </p:cSld>
+  <p:clrMapOvr>
+    <a:masterClrMapping/>
+  </p:clrMapOvr>
+</p:sld>
+</file>
+
+<file path=ppt/slides/slide9.xml><?xml version="1.0" encoding="utf-8"?>
+<p:sld xmlns:a="http://schemas.openxmlformats.org/drawingml/2006/main" xmlns:r="http://schemas.openxmlformats.org/officeDocument/2006/relationships" xmlns:mc="http://schemas.openxmlformats.org/markup-compatibility/2006" xmlns:mv="urn:schemas-microsoft-com:mac:vml" xmlns:p="http://schemas.openxmlformats.org/presentationml/2006/main" xmlns:c="http://schemas.openxmlformats.org/drawingml/2006/chart" xmlns:dgm="http://schemas.openxmlformats.org/drawingml/2006/diagram" xmlns:o="urn:schemas-microsoft-com:office:office" xmlns:v="urn:schemas-microsoft-com:vml" xmlns:pvml="urn:schemas-microsoft-com:office:powerpoint" xmlns:com="http://schemas.openxmlformats.org/drawingml/2006/compatibility" xmlns:p14="http://schemas.microsoft.com/office/powerpoint/2010/main" xmlns:p15="http://schemas.microsoft.com/office/powerpoint/2012/main" xmlns:ahyp="http://schemas.microsoft.com/office/drawing/2018/hyperlinkcolor">
+  <p:cSld>
+    <p:spTree>
+      <p:nvGrpSpPr>
+        <p:cNvPr id="113" name="Shape 113"/>
+        <p:cNvGrpSpPr/>
+        <p:nvPr/>
+      </p:nvGrpSpPr>
+      <p:grpSpPr>
+        <a:xfrm>
+          <a:off x="0" y="0"/>
+          <a:ext cx="0" cy="0"/>
+          <a:chOff x="0" y="0"/>
+          <a:chExt cx="0" cy="0"/>
+        </a:xfrm>
+      </p:grpSpPr>
+      <p:sp>
+        <p:nvSpPr>
+          <p:cNvPr id="114" name="Google Shape;114;p21"/>
+          <p:cNvSpPr txBox="1"/>
+          <p:nvPr>
+            <p:ph type="title"/>
+          </p:nvPr>
+        </p:nvSpPr>
+        <p:spPr>
+          <a:xfrm>
+            <a:off x="311700" y="445025"/>
+            <a:ext cx="8520600" cy="572700"/>
+          </a:xfrm>
+          <a:prstGeom prst="rect">
+            <a:avLst/>
+          </a:prstGeom>
+        </p:spPr>
+        <p:txBody>
+          <a:bodyPr anchorCtr="0" anchor="t" bIns="91425" lIns="91425" spcFirstLastPara="1" rIns="91425" wrap="square" tIns="91425">
+            <a:normAutofit fontScale="90000"/>
+          </a:bodyPr>
+          <a:lstStyle/>
+          <a:p>
+            <a:pPr indent="0" lvl="0" marL="0" rtl="0" algn="l">
+              <a:spcBef>
+                <a:spcPts val="0"/>
+              </a:spcBef>
+              <a:spcAft>
+                <a:spcPts val="0"/>
+              </a:spcAft>
+              <a:buNone/>
+            </a:pPr>
+            <a:r>
+              <a:rPr lang="en"/>
+              <a:t>Challenges/Learnings</a:t>
+            </a:r>
+            <a:endParaRPr/>
+          </a:p>
+        </p:txBody>
+      </p:sp>
+      <p:sp>
+        <p:nvSpPr>
+          <p:cNvPr id="115" name="Google Shape;115;p21"/>
           <p:cNvSpPr txBox="1"/>
           <p:nvPr>
             <p:ph idx="1" type="body"/>
@@ -7105,516 +9321,286 @@
 </p:sld>
 </file>
 
-<file path=ppt/slides/slide7.xml><?xml version="1.0" encoding="utf-8"?>
-<p:sld xmlns:a="http://schemas.openxmlformats.org/drawingml/2006/main" xmlns:r="http://schemas.openxmlformats.org/officeDocument/2006/relationships" xmlns:mc="http://schemas.openxmlformats.org/markup-compatibility/2006" xmlns:mv="urn:schemas-microsoft-com:mac:vml" xmlns:p="http://schemas.openxmlformats.org/presentationml/2006/main" xmlns:c="http://schemas.openxmlformats.org/drawingml/2006/chart" xmlns:dgm="http://schemas.openxmlformats.org/drawingml/2006/diagram" xmlns:o="urn:schemas-microsoft-com:office:office" xmlns:v="urn:schemas-microsoft-com:vml" xmlns:pvml="urn:schemas-microsoft-com:office:powerpoint" xmlns:com="http://schemas.openxmlformats.org/drawingml/2006/compatibility" xmlns:p14="http://schemas.microsoft.com/office/powerpoint/2010/main" xmlns:p15="http://schemas.microsoft.com/office/powerpoint/2012/main" xmlns:ahyp="http://schemas.microsoft.com/office/drawing/2018/hyperlinkcolor">
-  <p:cSld>
-    <p:spTree>
-      <p:nvGrpSpPr>
-        <p:cNvPr id="89" name="Shape 89"/>
-        <p:cNvGrpSpPr/>
-        <p:nvPr/>
-      </p:nvGrpSpPr>
-      <p:grpSpPr>
-        <a:xfrm>
-          <a:off x="0" y="0"/>
-          <a:ext cx="0" cy="0"/>
-          <a:chOff x="0" y="0"/>
-          <a:chExt cx="0" cy="0"/>
-        </a:xfrm>
-      </p:grpSpPr>
-      <p:sp>
-        <p:nvSpPr>
-          <p:cNvPr id="90" name="Google Shape;90;p19"/>
-          <p:cNvSpPr txBox="1"/>
-          <p:nvPr>
-            <p:ph type="title"/>
-          </p:nvPr>
-        </p:nvSpPr>
-        <p:spPr>
-          <a:xfrm>
-            <a:off x="311700" y="445025"/>
-            <a:ext cx="8520600" cy="572700"/>
-          </a:xfrm>
-          <a:prstGeom prst="rect">
-            <a:avLst/>
-          </a:prstGeom>
-        </p:spPr>
-        <p:txBody>
-          <a:bodyPr anchorCtr="0" anchor="t" bIns="91425" lIns="91425" spcFirstLastPara="1" rIns="91425" wrap="square" tIns="91425">
-            <a:normAutofit fontScale="90000"/>
-          </a:bodyPr>
-          <a:lstStyle/>
-          <a:p>
-            <a:pPr indent="0" lvl="0" marL="0" rtl="0" algn="l">
-              <a:spcBef>
-                <a:spcPts val="0"/>
-              </a:spcBef>
-              <a:spcAft>
-                <a:spcPts val="0"/>
-              </a:spcAft>
-              <a:buNone/>
-            </a:pPr>
-            <a:r>
-              <a:rPr lang="en"/>
-              <a:t>Future Enhancements</a:t>
-            </a:r>
-            <a:endParaRPr/>
-          </a:p>
-        </p:txBody>
-      </p:sp>
-      <p:sp>
-        <p:nvSpPr>
-          <p:cNvPr id="91" name="Google Shape;91;p19"/>
-          <p:cNvSpPr txBox="1"/>
-          <p:nvPr>
-            <p:ph idx="1" type="body"/>
-          </p:nvPr>
-        </p:nvSpPr>
-        <p:spPr>
-          <a:xfrm>
-            <a:off x="311700" y="1152475"/>
-            <a:ext cx="8520600" cy="3680400"/>
-          </a:xfrm>
-          <a:prstGeom prst="rect">
-            <a:avLst/>
-          </a:prstGeom>
-        </p:spPr>
-        <p:txBody>
-          <a:bodyPr anchorCtr="0" anchor="t" bIns="91425" lIns="91425" spcFirstLastPara="1" rIns="91425" wrap="square" tIns="91425">
-            <a:normAutofit fontScale="62500" lnSpcReduction="20000"/>
-          </a:bodyPr>
-          <a:lstStyle/>
-          <a:p>
-            <a:pPr indent="-300037" lvl="0" marL="457200" rtl="0" algn="l">
-              <a:spcBef>
-                <a:spcPts val="0"/>
-              </a:spcBef>
-              <a:spcAft>
-                <a:spcPts val="0"/>
-              </a:spcAft>
-              <a:buSzPct val="100000"/>
-              <a:buChar char="●"/>
-            </a:pPr>
-            <a:r>
-              <a:rPr lang="en"/>
-              <a:t>Responsible AI</a:t>
-            </a:r>
-            <a:endParaRPr/>
-          </a:p>
-          <a:p>
-            <a:pPr indent="-284162" lvl="1" marL="914400" rtl="0" algn="l">
-              <a:spcBef>
-                <a:spcPts val="0"/>
-              </a:spcBef>
-              <a:spcAft>
-                <a:spcPts val="0"/>
-              </a:spcAft>
-              <a:buSzPct val="100000"/>
-              <a:buChar char="○"/>
-            </a:pPr>
-            <a:r>
-              <a:rPr lang="en"/>
-              <a:t>Improve citations. Right now citation is for the book used to generate study guide. Should really cite every sentence</a:t>
-            </a:r>
-            <a:endParaRPr/>
-          </a:p>
-          <a:p>
-            <a:pPr indent="-284162" lvl="1" marL="914400" rtl="0" algn="l">
-              <a:spcBef>
-                <a:spcPts val="0"/>
-              </a:spcBef>
-              <a:spcAft>
-                <a:spcPts val="0"/>
-              </a:spcAft>
-              <a:buSzPct val="100000"/>
-              <a:buChar char="○"/>
-            </a:pPr>
-            <a:r>
-              <a:rPr lang="en"/>
-              <a:t>Allow reporting of issues with the data</a:t>
-            </a:r>
-            <a:endParaRPr/>
-          </a:p>
-          <a:p>
-            <a:pPr indent="-284162" lvl="1" marL="914400" rtl="0" algn="l">
-              <a:spcBef>
-                <a:spcPts val="0"/>
-              </a:spcBef>
-              <a:spcAft>
-                <a:spcPts val="0"/>
-              </a:spcAft>
-              <a:buSzPct val="100000"/>
-              <a:buChar char="○"/>
-            </a:pPr>
-            <a:r>
-              <a:rPr lang="en"/>
-              <a:t>Reduce hallucinations by using embeddings models to verify that text generated by the AI is actually found in source material</a:t>
-            </a:r>
-            <a:endParaRPr/>
-          </a:p>
-          <a:p>
-            <a:pPr indent="-284162" lvl="1" marL="914400" rtl="0" algn="l">
-              <a:spcBef>
-                <a:spcPts val="0"/>
-              </a:spcBef>
-              <a:spcAft>
-                <a:spcPts val="0"/>
-              </a:spcAft>
-              <a:buSzPct val="100000"/>
-              <a:buChar char="○"/>
-            </a:pPr>
-            <a:r>
-              <a:rPr lang="en"/>
-              <a:t>Reduce hallucinations by having a swarm of agents check each sentence/paragraph for having bases in the source material</a:t>
-            </a:r>
-            <a:endParaRPr/>
-          </a:p>
-          <a:p>
-            <a:pPr indent="-300037" lvl="0" marL="457200" rtl="0" algn="l">
-              <a:spcBef>
-                <a:spcPts val="0"/>
-              </a:spcBef>
-              <a:spcAft>
-                <a:spcPts val="0"/>
-              </a:spcAft>
-              <a:buSzPct val="100000"/>
-              <a:buChar char="●"/>
-            </a:pPr>
-            <a:r>
-              <a:rPr lang="en"/>
-              <a:t>UI</a:t>
-            </a:r>
-            <a:endParaRPr/>
-          </a:p>
-          <a:p>
-            <a:pPr indent="-284162" lvl="1" marL="914400" rtl="0" algn="l">
-              <a:spcBef>
-                <a:spcPts val="0"/>
-              </a:spcBef>
-              <a:spcAft>
-                <a:spcPts val="0"/>
-              </a:spcAft>
-              <a:buSzPct val="100000"/>
-              <a:buChar char="○"/>
-            </a:pPr>
-            <a:r>
-              <a:rPr lang="en"/>
-              <a:t>Short focused study guide to dwell into weak areas</a:t>
-            </a:r>
-            <a:endParaRPr/>
-          </a:p>
-          <a:p>
-            <a:pPr indent="-284162" lvl="1" marL="914400" rtl="0" algn="l">
-              <a:spcBef>
-                <a:spcPts val="0"/>
-              </a:spcBef>
-              <a:spcAft>
-                <a:spcPts val="0"/>
-              </a:spcAft>
-              <a:buSzPct val="100000"/>
-              <a:buChar char="○"/>
-            </a:pPr>
-            <a:r>
-              <a:rPr lang="en"/>
-              <a:t>Interacting with the study guide to get explanations of selected text</a:t>
-            </a:r>
-            <a:endParaRPr/>
-          </a:p>
-          <a:p>
-            <a:pPr indent="-284162" lvl="1" marL="914400" rtl="0" algn="l">
-              <a:spcBef>
-                <a:spcPts val="0"/>
-              </a:spcBef>
-              <a:spcAft>
-                <a:spcPts val="0"/>
-              </a:spcAft>
-              <a:buSzPct val="100000"/>
-              <a:buChar char="○"/>
-            </a:pPr>
-            <a:r>
-              <a:rPr lang="en"/>
-              <a:t>Text interactions with study guide to allow regeneration, or live  updates</a:t>
-            </a:r>
-            <a:endParaRPr/>
-          </a:p>
-          <a:p>
-            <a:pPr indent="-284162" lvl="1" marL="914400" rtl="0" algn="l">
-              <a:spcBef>
-                <a:spcPts val="0"/>
-              </a:spcBef>
-              <a:spcAft>
-                <a:spcPts val="0"/>
-              </a:spcAft>
-              <a:buSzPct val="100000"/>
-              <a:buChar char="○"/>
-            </a:pPr>
-            <a:r>
-              <a:rPr lang="en"/>
-              <a:t>Streaming of study guide text to the page to allow seeing text as soon as possible</a:t>
-            </a:r>
-            <a:endParaRPr/>
-          </a:p>
-          <a:p>
-            <a:pPr indent="-284162" lvl="1" marL="914400" rtl="0" algn="l">
-              <a:spcBef>
-                <a:spcPts val="0"/>
-              </a:spcBef>
-              <a:spcAft>
-                <a:spcPts val="0"/>
-              </a:spcAft>
-              <a:buSzPct val="100000"/>
-              <a:buChar char="○"/>
-            </a:pPr>
-            <a:r>
-              <a:rPr lang="en"/>
-              <a:t>Make audio player better and also allow shorter versions of focused study</a:t>
-            </a:r>
-            <a:endParaRPr/>
-          </a:p>
-          <a:p>
-            <a:pPr indent="-284162" lvl="1" marL="914400" rtl="0" algn="l">
-              <a:spcBef>
-                <a:spcPts val="0"/>
-              </a:spcBef>
-              <a:spcAft>
-                <a:spcPts val="0"/>
-              </a:spcAft>
-              <a:buSzPct val="100000"/>
-              <a:buChar char="○"/>
-            </a:pPr>
-            <a:r>
-              <a:rPr lang="en"/>
-              <a:t>Images in the study guide</a:t>
-            </a:r>
-            <a:endParaRPr/>
-          </a:p>
-          <a:p>
-            <a:pPr indent="-284162" lvl="1" marL="914400" rtl="0" algn="l">
-              <a:spcBef>
-                <a:spcPts val="0"/>
-              </a:spcBef>
-              <a:spcAft>
-                <a:spcPts val="0"/>
-              </a:spcAft>
-              <a:buSzPct val="100000"/>
-              <a:buChar char="○"/>
-            </a:pPr>
-            <a:r>
-              <a:rPr lang="en"/>
-              <a:t>Update cross subject/topic study guides (half done)</a:t>
-            </a:r>
-            <a:endParaRPr/>
-          </a:p>
-          <a:p>
-            <a:pPr indent="-284162" lvl="1" marL="914400" rtl="0" algn="l">
-              <a:spcBef>
-                <a:spcPts val="0"/>
-              </a:spcBef>
-              <a:spcAft>
-                <a:spcPts val="0"/>
-              </a:spcAft>
-              <a:buSzPct val="100000"/>
-              <a:buChar char="○"/>
-            </a:pPr>
-            <a:r>
-              <a:rPr lang="en"/>
-              <a:t>Make Quiz Question view more engaging and Level grades/downgrades more fun and logic more transparent</a:t>
-            </a:r>
-            <a:endParaRPr/>
-          </a:p>
-          <a:p>
-            <a:pPr indent="-300037" lvl="0" marL="457200" rtl="0" algn="l">
-              <a:spcBef>
-                <a:spcPts val="0"/>
-              </a:spcBef>
-              <a:spcAft>
-                <a:spcPts val="0"/>
-              </a:spcAft>
-              <a:buSzPct val="100000"/>
-              <a:buChar char="●"/>
-            </a:pPr>
-            <a:r>
-              <a:rPr lang="en"/>
-              <a:t>Data</a:t>
-            </a:r>
-            <a:endParaRPr/>
-          </a:p>
-          <a:p>
-            <a:pPr indent="-284162" lvl="1" marL="914400" rtl="0" algn="l">
-              <a:spcBef>
-                <a:spcPts val="0"/>
-              </a:spcBef>
-              <a:spcAft>
-                <a:spcPts val="0"/>
-              </a:spcAft>
-              <a:buSzPct val="100000"/>
-              <a:buChar char="○"/>
-            </a:pPr>
-            <a:r>
-              <a:rPr lang="en"/>
-              <a:t>Use mongoDB for a properly destructured data model</a:t>
-            </a:r>
-            <a:endParaRPr/>
-          </a:p>
-          <a:p>
-            <a:pPr indent="-284162" lvl="1" marL="914400" rtl="0" algn="l">
-              <a:spcBef>
-                <a:spcPts val="0"/>
-              </a:spcBef>
-              <a:spcAft>
-                <a:spcPts val="0"/>
-              </a:spcAft>
-              <a:buSzPct val="100000"/>
-              <a:buChar char="○"/>
-            </a:pPr>
-            <a:r>
-              <a:rPr lang="en"/>
-              <a:t>Store </a:t>
-            </a:r>
-            <a:r>
-              <a:rPr lang="en"/>
-              <a:t>audio and image</a:t>
-            </a:r>
-            <a:r>
-              <a:rPr lang="en"/>
-              <a:t> files in the cloud</a:t>
-            </a:r>
-            <a:endParaRPr/>
-          </a:p>
-          <a:p>
-            <a:pPr indent="-300037" lvl="0" marL="457200" rtl="0" algn="l">
-              <a:spcBef>
-                <a:spcPts val="0"/>
-              </a:spcBef>
-              <a:spcAft>
-                <a:spcPts val="0"/>
-              </a:spcAft>
-              <a:buSzPct val="100000"/>
-              <a:buChar char="●"/>
-            </a:pPr>
-            <a:r>
-              <a:rPr lang="en"/>
-              <a:t>Security</a:t>
-            </a:r>
-            <a:endParaRPr/>
-          </a:p>
-          <a:p>
-            <a:pPr indent="-284162" lvl="1" marL="914400" rtl="0" algn="l">
-              <a:spcBef>
-                <a:spcPts val="0"/>
-              </a:spcBef>
-              <a:spcAft>
-                <a:spcPts val="0"/>
-              </a:spcAft>
-              <a:buSzPct val="100000"/>
-              <a:buChar char="○"/>
-            </a:pPr>
-            <a:r>
-              <a:rPr lang="en"/>
-              <a:t>Proper Login</a:t>
-            </a:r>
-            <a:endParaRPr/>
-          </a:p>
-          <a:p>
-            <a:pPr indent="-284162" lvl="1" marL="914400" rtl="0" algn="l">
-              <a:spcBef>
-                <a:spcPts val="0"/>
-              </a:spcBef>
-              <a:spcAft>
-                <a:spcPts val="0"/>
-              </a:spcAft>
-              <a:buSzPct val="100000"/>
-              <a:buChar char="○"/>
-            </a:pPr>
-            <a:r>
-              <a:rPr lang="en"/>
-              <a:t>Secure Agent </a:t>
-            </a:r>
-            <a:r>
-              <a:rPr lang="en"/>
-              <a:t>endpoints</a:t>
-            </a:r>
-            <a:endParaRPr/>
-          </a:p>
-          <a:p>
-            <a:pPr indent="-300037" lvl="0" marL="457200" rtl="0" algn="l">
-              <a:spcBef>
-                <a:spcPts val="0"/>
-              </a:spcBef>
-              <a:spcAft>
-                <a:spcPts val="0"/>
-              </a:spcAft>
-              <a:buSzPct val="100000"/>
-              <a:buChar char="●"/>
-            </a:pPr>
-            <a:r>
-              <a:rPr lang="en"/>
-              <a:t>Architecture</a:t>
-            </a:r>
-            <a:endParaRPr/>
-          </a:p>
-          <a:p>
-            <a:pPr indent="-284162" lvl="1" marL="914400" rtl="0" algn="l">
-              <a:spcBef>
-                <a:spcPts val="0"/>
-              </a:spcBef>
-              <a:spcAft>
-                <a:spcPts val="0"/>
-              </a:spcAft>
-              <a:buSzPct val="100000"/>
-              <a:buChar char="○"/>
-            </a:pPr>
-            <a:r>
-              <a:rPr lang="en"/>
-              <a:t>Improve agent interactions with more agents using PubSub (for example generating quiz questions asynchronously)</a:t>
-            </a:r>
-            <a:endParaRPr/>
-          </a:p>
-          <a:p>
-            <a:pPr indent="-300037" lvl="0" marL="457200" rtl="0" algn="l">
-              <a:spcBef>
-                <a:spcPts val="0"/>
-              </a:spcBef>
-              <a:spcAft>
-                <a:spcPts val="0"/>
-              </a:spcAft>
-              <a:buSzPct val="100000"/>
-              <a:buChar char="●"/>
-            </a:pPr>
-            <a:r>
-              <a:rPr lang="en"/>
-              <a:t>Audio</a:t>
-            </a:r>
-            <a:endParaRPr/>
-          </a:p>
-          <a:p>
-            <a:pPr indent="-284162" lvl="1" marL="914400" rtl="0" algn="l">
-              <a:spcBef>
-                <a:spcPts val="0"/>
-              </a:spcBef>
-              <a:spcAft>
-                <a:spcPts val="0"/>
-              </a:spcAft>
-              <a:buSzPct val="100000"/>
-              <a:buChar char="○"/>
-            </a:pPr>
-            <a:r>
-              <a:rPr lang="en"/>
-              <a:t>Update to generate podcast with two speakers</a:t>
-            </a:r>
-            <a:endParaRPr/>
-          </a:p>
-        </p:txBody>
-      </p:sp>
-    </p:spTree>
-  </p:cSld>
-  <p:clrMapOvr>
-    <a:masterClrMapping/>
-  </p:clrMapOvr>
-</p:sld>
+<file path=ppt/theme/theme1.xml><?xml version="1.0" encoding="utf-8"?>
+<a:theme xmlns:a="http://schemas.openxmlformats.org/drawingml/2006/main" xmlns:r="http://schemas.openxmlformats.org/officeDocument/2006/relationships">
+  <a:themeElements>
+    <a:clrScheme name="Default">
+      <a:dk1>
+        <a:srgbClr val="000000"/>
+      </a:dk1>
+      <a:lt1>
+        <a:srgbClr val="FFFFFF"/>
+      </a:lt1>
+      <a:dk2>
+        <a:srgbClr val="158158"/>
+      </a:dk2>
+      <a:lt2>
+        <a:srgbClr val="F3F3F3"/>
+      </a:lt2>
+      <a:accent1>
+        <a:srgbClr val="058DC7"/>
+      </a:accent1>
+      <a:accent2>
+        <a:srgbClr val="50B432"/>
+      </a:accent2>
+      <a:accent3>
+        <a:srgbClr val="ED561B"/>
+      </a:accent3>
+      <a:accent4>
+        <a:srgbClr val="EDEF00"/>
+      </a:accent4>
+      <a:accent5>
+        <a:srgbClr val="24CBE5"/>
+      </a:accent5>
+      <a:accent6>
+        <a:srgbClr val="64E572"/>
+      </a:accent6>
+      <a:hlink>
+        <a:srgbClr val="2200CC"/>
+      </a:hlink>
+      <a:folHlink>
+        <a:srgbClr val="551A8B"/>
+      </a:folHlink>
+    </a:clrScheme>
+    <a:fontScheme name="Office">
+      <a:majorFont>
+        <a:latin typeface="Arial"/>
+        <a:ea typeface=""/>
+        <a:cs typeface=""/>
+        <a:font script="Jpan" typeface="ＭＳ Ｐゴシック"/>
+        <a:font script="Hang" typeface="맑은 고딕"/>
+        <a:font script="Hans" typeface="宋体"/>
+        <a:font script="Hant" typeface="新細明體"/>
+        <a:font script="Arab" typeface="Times New Roman"/>
+        <a:font script="Hebr" typeface="Times New Roman"/>
+        <a:font script="Thai" typeface="Angsana New"/>
+        <a:font script="Ethi" typeface="Nyala"/>
+        <a:font script="Beng" typeface="Vrinda"/>
+        <a:font script="Gujr" typeface="Shruti"/>
+        <a:font script="Khmr" typeface="MoolBoran"/>
+        <a:font script="Knda" typeface="Tunga"/>
+        <a:font script="Guru" typeface="Raavi"/>
+        <a:font script="Cans" typeface="Euphemia"/>
+        <a:font script="Cher" typeface="Plantagenet Cherokee"/>
+        <a:font script="Yiii" typeface="Microsoft Yi Baiti"/>
+        <a:font script="Tibt" typeface="Microsoft Himalaya"/>
+        <a:font script="Thaa" typeface="MV Boli"/>
+        <a:font script="Deva" typeface="Mangal"/>
+        <a:font script="Telu" typeface="Gautami"/>
+        <a:font script="Taml" typeface="Latha"/>
+        <a:font script="Syrc" typeface="Estrangelo Edessa"/>
+        <a:font script="Orya" typeface="Kalinga"/>
+        <a:font script="Mlym" typeface="Kartika"/>
+        <a:font script="Laoo" typeface="DokChampa"/>
+        <a:font script="Sinh" typeface="Iskoola Pota"/>
+        <a:font script="Mong" typeface="Mongolian Baiti"/>
+        <a:font script="Viet" typeface="Times New Roman"/>
+        <a:font script="Uigh" typeface="Microsoft Uighur"/>
+        <a:font script="Geor" typeface="Sylfaen"/>
+      </a:majorFont>
+      <a:minorFont>
+        <a:latin typeface="Arial"/>
+        <a:ea typeface=""/>
+        <a:cs typeface=""/>
+        <a:font script="Jpan" typeface="ＭＳ Ｐゴシック"/>
+        <a:font script="Hang" typeface="맑은 고딕"/>
+        <a:font script="Hans" typeface="宋体"/>
+        <a:font script="Hant" typeface="新細明體"/>
+        <a:font script="Arab" typeface="Arial"/>
+        <a:font script="Hebr" typeface="Arial"/>
+        <a:font script="Thai" typeface="Cordia New"/>
+        <a:font script="Ethi" typeface="Nyala"/>
+        <a:font script="Beng" typeface="Vrinda"/>
+        <a:font script="Gujr" typeface="Shruti"/>
+        <a:font script="Khmr" typeface="DaunPenh"/>
+        <a:font script="Knda" typeface="Tunga"/>
+        <a:font script="Guru" typeface="Raavi"/>
+        <a:font script="Cans" typeface="Euphemia"/>
+        <a:font script="Cher" typeface="Plantagenet Cherokee"/>
+        <a:font script="Yiii" typeface="Microsoft Yi Baiti"/>
+        <a:font script="Tibt" typeface="Microsoft Himalaya"/>
+        <a:font script="Thaa" typeface="MV Boli"/>
+        <a:font script="Deva" typeface="Mangal"/>
+        <a:font script="Telu" typeface="Gautami"/>
+        <a:font script="Taml" typeface="Latha"/>
+        <a:font script="Syrc" typeface="Estrangelo Edessa"/>
+        <a:font script="Orya" typeface="Kalinga"/>
+        <a:font script="Mlym" typeface="Kartika"/>
+        <a:font script="Laoo" typeface="DokChampa"/>
+        <a:font script="Sinh" typeface="Iskoola Pota"/>
+        <a:font script="Mong" typeface="Mongolian Baiti"/>
+        <a:font script="Viet" typeface="Arial"/>
+        <a:font script="Uigh" typeface="Microsoft Uighur"/>
+        <a:font script="Geor" typeface="Sylfaen"/>
+      </a:minorFont>
+    </a:fontScheme>
+    <a:fmtScheme name="Office">
+      <a:fillStyleLst>
+        <a:solidFill>
+          <a:schemeClr val="phClr"/>
+        </a:solidFill>
+        <a:gradFill rotWithShape="1">
+          <a:gsLst>
+            <a:gs pos="0">
+              <a:schemeClr val="phClr">
+                <a:tint val="50000"/>
+                <a:satMod val="300000"/>
+              </a:schemeClr>
+            </a:gs>
+            <a:gs pos="35000">
+              <a:schemeClr val="phClr">
+                <a:tint val="37000"/>
+                <a:satMod val="300000"/>
+              </a:schemeClr>
+            </a:gs>
+            <a:gs pos="100000">
+              <a:schemeClr val="phClr">
+                <a:tint val="15000"/>
+                <a:satMod val="350000"/>
+              </a:schemeClr>
+            </a:gs>
+          </a:gsLst>
+          <a:lin ang="16200000" scaled="1"/>
+        </a:gradFill>
+        <a:gradFill rotWithShape="1">
+          <a:gsLst>
+            <a:gs pos="0">
+              <a:schemeClr val="phClr">
+                <a:tint val="100000"/>
+                <a:shade val="100000"/>
+                <a:satMod val="130000"/>
+              </a:schemeClr>
+            </a:gs>
+            <a:gs pos="100000">
+              <a:schemeClr val="phClr">
+                <a:tint val="50000"/>
+                <a:shade val="100000"/>
+                <a:satMod val="350000"/>
+              </a:schemeClr>
+            </a:gs>
+          </a:gsLst>
+          <a:lin ang="16200000" scaled="0"/>
+        </a:gradFill>
+      </a:fillStyleLst>
+      <a:lnStyleLst>
+        <a:ln w="9525" cap="flat" cmpd="sng" algn="ctr">
+          <a:solidFill>
+            <a:schemeClr val="phClr">
+              <a:shade val="95000"/>
+              <a:satMod val="105000"/>
+            </a:schemeClr>
+          </a:solidFill>
+          <a:prstDash val="solid"/>
+        </a:ln>
+        <a:ln w="25400" cap="flat" cmpd="sng" algn="ctr">
+          <a:solidFill>
+            <a:schemeClr val="phClr"/>
+          </a:solidFill>
+          <a:prstDash val="solid"/>
+        </a:ln>
+        <a:ln w="38100" cap="flat" cmpd="sng" algn="ctr">
+          <a:solidFill>
+            <a:schemeClr val="phClr"/>
+          </a:solidFill>
+          <a:prstDash val="solid"/>
+        </a:ln>
+      </a:lnStyleLst>
+      <a:effectStyleLst>
+        <a:effectStyle>
+          <a:effectLst>
+            <a:outerShdw blurRad="40000" dist="20000" dir="5400000" rotWithShape="0">
+              <a:srgbClr val="000000">
+                <a:alpha val="38000"/>
+              </a:srgbClr>
+            </a:outerShdw>
+          </a:effectLst>
+        </a:effectStyle>
+        <a:effectStyle>
+          <a:effectLst>
+            <a:outerShdw blurRad="40000" dist="23000" dir="5400000" rotWithShape="0">
+              <a:srgbClr val="000000">
+                <a:alpha val="35000"/>
+              </a:srgbClr>
+            </a:outerShdw>
+          </a:effectLst>
+        </a:effectStyle>
+        <a:effectStyle>
+          <a:effectLst>
+            <a:outerShdw blurRad="40000" dist="23000" dir="5400000" rotWithShape="0">
+              <a:srgbClr val="000000">
+                <a:alpha val="35000"/>
+              </a:srgbClr>
+            </a:outerShdw>
+          </a:effectLst>
+          <a:scene3d>
+            <a:camera prst="orthographicFront">
+              <a:rot lat="0" lon="0" rev="0"/>
+            </a:camera>
+            <a:lightRig rig="threePt" dir="t">
+              <a:rot lat="0" lon="0" rev="1200000"/>
+            </a:lightRig>
+          </a:scene3d>
+          <a:sp3d>
+            <a:bevelT w="63500" h="25400"/>
+          </a:sp3d>
+        </a:effectStyle>
+      </a:effectStyleLst>
+      <a:bgFillStyleLst>
+        <a:solidFill>
+          <a:schemeClr val="phClr"/>
+        </a:solidFill>
+        <a:gradFill rotWithShape="1">
+          <a:gsLst>
+            <a:gs pos="0">
+              <a:schemeClr val="phClr">
+                <a:tint val="40000"/>
+                <a:satMod val="350000"/>
+              </a:schemeClr>
+            </a:gs>
+            <a:gs pos="40000">
+              <a:schemeClr val="phClr">
+                <a:tint val="45000"/>
+                <a:shade val="99000"/>
+                <a:satMod val="350000"/>
+              </a:schemeClr>
+            </a:gs>
+            <a:gs pos="100000">
+              <a:schemeClr val="phClr">
+                <a:shade val="20000"/>
+                <a:satMod val="255000"/>
+              </a:schemeClr>
+            </a:gs>
+          </a:gsLst>
+          <a:path path="circle">
+            <a:fillToRect l="50000" t="-80000" r="50000" b="180000"/>
+          </a:path>
+        </a:gradFill>
+        <a:gradFill rotWithShape="1">
+          <a:gsLst>
+            <a:gs pos="0">
+              <a:schemeClr val="phClr">
+                <a:tint val="80000"/>
+                <a:satMod val="300000"/>
+              </a:schemeClr>
+            </a:gs>
+            <a:gs pos="100000">
+              <a:schemeClr val="phClr">
+                <a:shade val="30000"/>
+                <a:satMod val="200000"/>
+              </a:schemeClr>
+            </a:gs>
+          </a:gsLst>
+          <a:path path="circle">
+            <a:fillToRect l="50000" t="50000" r="50000" b="50000"/>
+          </a:path>
+        </a:gradFill>
+      </a:bgFillStyleLst>
+    </a:fmtScheme>
+  </a:themeElements>
+</a:theme>
 </file>
 
-<file path=ppt/theme/theme1.xml><?xml version="1.0" encoding="utf-8"?>
+<file path=ppt/theme/theme2.xml><?xml version="1.0" encoding="utf-8"?>
 <a:theme xmlns:a="http://schemas.openxmlformats.org/drawingml/2006/main" xmlns:r="http://schemas.openxmlformats.org/officeDocument/2006/relationships" name="Simple Light">
   <a:themeElements>
     <a:clrScheme name="Simple Light">
@@ -7891,283 +9877,4 @@
     </a:fmtScheme>
   </a:themeElements>
 </a:theme>
-</file>
-
-<file path=ppt/theme/theme2.xml><?xml version="1.0" encoding="utf-8"?>
-<a:theme xmlns:a="http://schemas.openxmlformats.org/drawingml/2006/main" xmlns:r="http://schemas.openxmlformats.org/officeDocument/2006/relationships">
-  <a:themeElements>
-    <a:clrScheme name="Default">
-      <a:dk1>
-        <a:srgbClr val="000000"/>
-      </a:dk1>
-      <a:lt1>
-        <a:srgbClr val="FFFFFF"/>
-      </a:lt1>
-      <a:dk2>
-        <a:srgbClr val="158158"/>
-      </a:dk2>
-      <a:lt2>
-        <a:srgbClr val="F3F3F3"/>
-      </a:lt2>
-      <a:accent1>
-        <a:srgbClr val="058DC7"/>
-      </a:accent1>
-      <a:accent2>
-        <a:srgbClr val="50B432"/>
-      </a:accent2>
-      <a:accent3>
-        <a:srgbClr val="ED561B"/>
-      </a:accent3>
-      <a:accent4>
-        <a:srgbClr val="EDEF00"/>
-      </a:accent4>
-      <a:accent5>
-        <a:srgbClr val="24CBE5"/>
-      </a:accent5>
-      <a:accent6>
-        <a:srgbClr val="64E572"/>
-      </a:accent6>
-      <a:hlink>
-        <a:srgbClr val="2200CC"/>
-      </a:hlink>
-      <a:folHlink>
-        <a:srgbClr val="551A8B"/>
-      </a:folHlink>
-    </a:clrScheme>
-    <a:fontScheme name="Office">
-      <a:majorFont>
-        <a:latin typeface="Arial"/>
-        <a:ea typeface=""/>
-        <a:cs typeface=""/>
-        <a:font script="Jpan" typeface="ＭＳ Ｐゴシック"/>
-        <a:font script="Hang" typeface="맑은 고딕"/>
-        <a:font script="Hans" typeface="宋体"/>
-        <a:font script="Hant" typeface="新細明體"/>
-        <a:font script="Arab" typeface="Times New Roman"/>
-        <a:font script="Hebr" typeface="Times New Roman"/>
-        <a:font script="Thai" typeface="Angsana New"/>
-        <a:font script="Ethi" typeface="Nyala"/>
-        <a:font script="Beng" typeface="Vrinda"/>
-        <a:font script="Gujr" typeface="Shruti"/>
-        <a:font script="Khmr" typeface="MoolBoran"/>
-        <a:font script="Knda" typeface="Tunga"/>
-        <a:font script="Guru" typeface="Raavi"/>
-        <a:font script="Cans" typeface="Euphemia"/>
-        <a:font script="Cher" typeface="Plantagenet Cherokee"/>
-        <a:font script="Yiii" typeface="Microsoft Yi Baiti"/>
-        <a:font script="Tibt" typeface="Microsoft Himalaya"/>
-        <a:font script="Thaa" typeface="MV Boli"/>
-        <a:font script="Deva" typeface="Mangal"/>
-        <a:font script="Telu" typeface="Gautami"/>
-        <a:font script="Taml" typeface="Latha"/>
-        <a:font script="Syrc" typeface="Estrangelo Edessa"/>
-        <a:font script="Orya" typeface="Kalinga"/>
-        <a:font script="Mlym" typeface="Kartika"/>
-        <a:font script="Laoo" typeface="DokChampa"/>
-        <a:font script="Sinh" typeface="Iskoola Pota"/>
-        <a:font script="Mong" typeface="Mongolian Baiti"/>
-        <a:font script="Viet" typeface="Times New Roman"/>
-        <a:font script="Uigh" typeface="Microsoft Uighur"/>
-        <a:font script="Geor" typeface="Sylfaen"/>
-      </a:majorFont>
-      <a:minorFont>
-        <a:latin typeface="Arial"/>
-        <a:ea typeface=""/>
-        <a:cs typeface=""/>
-        <a:font script="Jpan" typeface="ＭＳ Ｐゴシック"/>
-        <a:font script="Hang" typeface="맑은 고딕"/>
-        <a:font script="Hans" typeface="宋体"/>
-        <a:font script="Hant" typeface="新細明體"/>
-        <a:font script="Arab" typeface="Arial"/>
-        <a:font script="Hebr" typeface="Arial"/>
-        <a:font script="Thai" typeface="Cordia New"/>
-        <a:font script="Ethi" typeface="Nyala"/>
-        <a:font script="Beng" typeface="Vrinda"/>
-        <a:font script="Gujr" typeface="Shruti"/>
-        <a:font script="Khmr" typeface="DaunPenh"/>
-        <a:font script="Knda" typeface="Tunga"/>
-        <a:font script="Guru" typeface="Raavi"/>
-        <a:font script="Cans" typeface="Euphemia"/>
-        <a:font script="Cher" typeface="Plantagenet Cherokee"/>
-        <a:font script="Yiii" typeface="Microsoft Yi Baiti"/>
-        <a:font script="Tibt" typeface="Microsoft Himalaya"/>
-        <a:font script="Thaa" typeface="MV Boli"/>
-        <a:font script="Deva" typeface="Mangal"/>
-        <a:font script="Telu" typeface="Gautami"/>
-        <a:font script="Taml" typeface="Latha"/>
-        <a:font script="Syrc" typeface="Estrangelo Edessa"/>
-        <a:font script="Orya" typeface="Kalinga"/>
-        <a:font script="Mlym" typeface="Kartika"/>
-        <a:font script="Laoo" typeface="DokChampa"/>
-        <a:font script="Sinh" typeface="Iskoola Pota"/>
-        <a:font script="Mong" typeface="Mongolian Baiti"/>
-        <a:font script="Viet" typeface="Arial"/>
-        <a:font script="Uigh" typeface="Microsoft Uighur"/>
-        <a:font script="Geor" typeface="Sylfaen"/>
-      </a:minorFont>
-    </a:fontScheme>
-    <a:fmtScheme name="Office">
-      <a:fillStyleLst>
-        <a:solidFill>
-          <a:schemeClr val="phClr"/>
-        </a:solidFill>
-        <a:gradFill rotWithShape="1">
-          <a:gsLst>
-            <a:gs pos="0">
-              <a:schemeClr val="phClr">
-                <a:tint val="50000"/>
-                <a:satMod val="300000"/>
-              </a:schemeClr>
-            </a:gs>
-            <a:gs pos="35000">
-              <a:schemeClr val="phClr">
-                <a:tint val="37000"/>
-                <a:satMod val="300000"/>
-              </a:schemeClr>
-            </a:gs>
-            <a:gs pos="100000">
-              <a:schemeClr val="phClr">
-                <a:tint val="15000"/>
-                <a:satMod val="350000"/>
-              </a:schemeClr>
-            </a:gs>
-          </a:gsLst>
-          <a:lin ang="16200000" scaled="1"/>
-        </a:gradFill>
-        <a:gradFill rotWithShape="1">
-          <a:gsLst>
-            <a:gs pos="0">
-              <a:schemeClr val="phClr">
-                <a:tint val="100000"/>
-                <a:shade val="100000"/>
-                <a:satMod val="130000"/>
-              </a:schemeClr>
-            </a:gs>
-            <a:gs pos="100000">
-              <a:schemeClr val="phClr">
-                <a:tint val="50000"/>
-                <a:shade val="100000"/>
-                <a:satMod val="350000"/>
-              </a:schemeClr>
-            </a:gs>
-          </a:gsLst>
-          <a:lin ang="16200000" scaled="0"/>
-        </a:gradFill>
-      </a:fillStyleLst>
-      <a:lnStyleLst>
-        <a:ln w="9525" cap="flat" cmpd="sng" algn="ctr">
-          <a:solidFill>
-            <a:schemeClr val="phClr">
-              <a:shade val="95000"/>
-              <a:satMod val="105000"/>
-            </a:schemeClr>
-          </a:solidFill>
-          <a:prstDash val="solid"/>
-        </a:ln>
-        <a:ln w="25400" cap="flat" cmpd="sng" algn="ctr">
-          <a:solidFill>
-            <a:schemeClr val="phClr"/>
-          </a:solidFill>
-          <a:prstDash val="solid"/>
-        </a:ln>
-        <a:ln w="38100" cap="flat" cmpd="sng" algn="ctr">
-          <a:solidFill>
-            <a:schemeClr val="phClr"/>
-          </a:solidFill>
-          <a:prstDash val="solid"/>
-        </a:ln>
-      </a:lnStyleLst>
-      <a:effectStyleLst>
-        <a:effectStyle>
-          <a:effectLst>
-            <a:outerShdw blurRad="40000" dist="20000" dir="5400000" rotWithShape="0">
-              <a:srgbClr val="000000">
-                <a:alpha val="38000"/>
-              </a:srgbClr>
-            </a:outerShdw>
-          </a:effectLst>
-        </a:effectStyle>
-        <a:effectStyle>
-          <a:effectLst>
-            <a:outerShdw blurRad="40000" dist="23000" dir="5400000" rotWithShape="0">
-              <a:srgbClr val="000000">
-                <a:alpha val="35000"/>
-              </a:srgbClr>
-            </a:outerShdw>
-          </a:effectLst>
-        </a:effectStyle>
-        <a:effectStyle>
-          <a:effectLst>
-            <a:outerShdw blurRad="40000" dist="23000" dir="5400000" rotWithShape="0">
-              <a:srgbClr val="000000">
-                <a:alpha val="35000"/>
-              </a:srgbClr>
-            </a:outerShdw>
-          </a:effectLst>
-          <a:scene3d>
-            <a:camera prst="orthographicFront">
-              <a:rot lat="0" lon="0" rev="0"/>
-            </a:camera>
-            <a:lightRig rig="threePt" dir="t">
-              <a:rot lat="0" lon="0" rev="1200000"/>
-            </a:lightRig>
-          </a:scene3d>
-          <a:sp3d>
-            <a:bevelT w="63500" h="25400"/>
-          </a:sp3d>
-        </a:effectStyle>
-      </a:effectStyleLst>
-      <a:bgFillStyleLst>
-        <a:solidFill>
-          <a:schemeClr val="phClr"/>
-        </a:solidFill>
-        <a:gradFill rotWithShape="1">
-          <a:gsLst>
-            <a:gs pos="0">
-              <a:schemeClr val="phClr">
-                <a:tint val="40000"/>
-                <a:satMod val="350000"/>
-              </a:schemeClr>
-            </a:gs>
-            <a:gs pos="40000">
-              <a:schemeClr val="phClr">
-                <a:tint val="45000"/>
-                <a:shade val="99000"/>
-                <a:satMod val="350000"/>
-              </a:schemeClr>
-            </a:gs>
-            <a:gs pos="100000">
-              <a:schemeClr val="phClr">
-                <a:shade val="20000"/>
-                <a:satMod val="255000"/>
-              </a:schemeClr>
-            </a:gs>
-          </a:gsLst>
-          <a:path path="circle">
-            <a:fillToRect l="50000" t="-80000" r="50000" b="180000"/>
-          </a:path>
-        </a:gradFill>
-        <a:gradFill rotWithShape="1">
-          <a:gsLst>
-            <a:gs pos="0">
-              <a:schemeClr val="phClr">
-                <a:tint val="80000"/>
-                <a:satMod val="300000"/>
-              </a:schemeClr>
-            </a:gs>
-            <a:gs pos="100000">
-              <a:schemeClr val="phClr">
-                <a:shade val="30000"/>
-                <a:satMod val="200000"/>
-              </a:schemeClr>
-            </a:gs>
-          </a:gsLst>
-          <a:path path="circle">
-            <a:fillToRect l="50000" t="50000" r="50000" b="50000"/>
-          </a:path>
-        </a:gradFill>
-      </a:bgFillStyleLst>
-    </a:fmtScheme>
-  </a:themeElements>
-</a:theme>
 </file>